--- a/apresentacoes/foco-produtividade/aula-05-equilibrio-estavel.pptx
+++ b/apresentacoes/foco-produtividade/aula-05-equilibrio-estavel.pptx
@@ -1286,62 +1286,6 @@
 </p:sldLayout>
 </file>
 
-<file path=ppt/slideLayouts/slideLayout2.xml><?xml version="1.0" encoding="utf-8"?>
-<p:sldLayout xmlns:a="http://schemas.openxmlformats.org/drawingml/2006/main" xmlns:r="http://schemas.openxmlformats.org/officeDocument/2006/relationships" xmlns:p="http://schemas.openxmlformats.org/presentationml/2006/main" preserve="1">
-  <p:cSld name="MASTER">
-    <p:bg>
-      <p:bgPr>
-        <a:solidFill>
-          <a:srgbClr val="1A1A2E"/>
-        </a:solidFill>
-      </p:bgPr>
-    </p:bg>
-    <p:spTree>
-      <p:nvGrpSpPr>
-        <p:cNvPr id="1" name=""/>
-        <p:cNvGrpSpPr/>
-        <p:nvPr/>
-      </p:nvGrpSpPr>
-      <p:grpSpPr>
-        <a:xfrm>
-          <a:off x="0" y="0"/>
-          <a:ext cx="0" cy="0"/>
-          <a:chOff x="0" y="0"/>
-          <a:chExt cx="0" cy="0"/>
-        </a:xfrm>
-      </p:grpSpPr>
-      <p:pic>
-        <p:nvPicPr>
-          <p:cNvPr id="2" name="Image 0" descr="preencoded.png">    </p:cNvPr>
-          <p:cNvPicPr>
-            <a:picLocks noChangeAspect="1"/>
-          </p:cNvPicPr>
-          <p:nvPr/>
-        </p:nvPicPr>
-        <p:blipFill>
-          <a:blip r:embed="rId1"/>
-          <a:stretch>
-            <a:fillRect/>
-          </a:stretch>
-        </p:blipFill>
-        <p:spPr>
-          <a:xfrm>
-            <a:off x="274320" y="182880"/>
-            <a:ext cx="1097280" cy="457200"/>
-          </a:xfrm>
-          <a:prstGeom prst="rect">
-            <a:avLst/>
-          </a:prstGeom>
-        </p:spPr>
-      </p:pic>
-    </p:spTree>
-  </p:cSld>
-  <p:clrMapOvr>
-    <a:masterClrMapping/>
-  </p:clrMapOvr>
-</p:sldLayout>
-</file>
-
 <file path=ppt/slideMasters/slideMaster1.xml><?xml version="1.0" encoding="utf-8"?>
 <p:sldMaster xmlns:a="http://schemas.openxmlformats.org/drawingml/2006/main" xmlns:r="http://schemas.openxmlformats.org/officeDocument/2006/relationships" xmlns:p="http://schemas.openxmlformats.org/presentationml/2006/main">
   <p:cSld>
@@ -1364,7 +1308,6 @@
   <p:clrMap bg1="lt1" tx1="dk1" bg2="lt2" tx2="dk2" accent1="accent1" accent2="accent2" accent3="accent3" accent4="accent4" accent5="accent5" accent6="accent6" hlink="hlink" folHlink="folHlink"/>
   <p:sldLayoutIdLst>
     <p:sldLayoutId id="2147483649" r:id="rId1"/>
-    <p:sldLayoutId id="2147483650" r:id="rId2"/>
   </p:sldLayoutIdLst>
   <p:hf sldNum="0" hdr="0" ftr="0" dt="0"/>
   <p:txStyles>
@@ -1623,6 +1566,13 @@
 <file path=ppt/slides/slide1.xml><?xml version="1.0" encoding="utf-8"?>
 <p:sld xmlns:a="http://schemas.openxmlformats.org/drawingml/2006/main" xmlns:r="http://schemas.openxmlformats.org/officeDocument/2006/relationships" xmlns:p="http://schemas.openxmlformats.org/presentationml/2006/main">
   <p:cSld name="Slide 1">
+    <p:bg>
+      <p:bgPr>
+        <a:solidFill>
+          <a:srgbClr val="1A1A2E"/>
+        </a:solidFill>
+      </p:bgPr>
+    </p:bg>
     <p:spTree>
       <p:nvGrpSpPr>
         <p:cNvPr id="1" name=""/>
@@ -1637,9 +1587,33 @@
           <a:chExt cx="0" cy="0"/>
         </a:xfrm>
       </p:grpSpPr>
-      <p:sp>
-        <p:nvSpPr>
-          <p:cNvPr id="2" name="Shape 0"/>
+      <p:pic>
+        <p:nvPicPr>
+          <p:cNvPr id="2" name="Image 0" descr="preencoded.png">    </p:cNvPr>
+          <p:cNvPicPr>
+            <a:picLocks noChangeAspect="1"/>
+          </p:cNvPicPr>
+          <p:nvPr/>
+        </p:nvPicPr>
+        <p:blipFill>
+          <a:blip r:embed="rId1"/>
+          <a:stretch>
+            <a:fillRect/>
+          </a:stretch>
+        </p:blipFill>
+        <p:spPr>
+          <a:xfrm>
+            <a:off x="274320" y="137160"/>
+            <a:ext cx="1097280" cy="457200"/>
+          </a:xfrm>
+          <a:prstGeom prst="rect">
+            <a:avLst/>
+          </a:prstGeom>
+        </p:spPr>
+      </p:pic>
+      <p:sp>
+        <p:nvSpPr>
+          <p:cNvPr id="3" name="Shape 0"/>
           <p:cNvSpPr/>
           <p:nvPr/>
         </p:nvSpPr>
@@ -1659,7 +1633,7 @@
       </p:sp>
       <p:sp>
         <p:nvSpPr>
-          <p:cNvPr id="3" name="Text 1"/>
+          <p:cNvPr id="4" name="Text 1"/>
           <p:cNvSpPr/>
           <p:nvPr/>
         </p:nvSpPr>
@@ -1698,7 +1672,7 @@
       </p:sp>
       <p:sp>
         <p:nvSpPr>
-          <p:cNvPr id="4" name="Text 2"/>
+          <p:cNvPr id="5" name="Text 2"/>
           <p:cNvSpPr/>
           <p:nvPr/>
         </p:nvSpPr>
@@ -1737,7 +1711,7 @@
       </p:sp>
       <p:sp>
         <p:nvSpPr>
-          <p:cNvPr id="5" name="Text 3"/>
+          <p:cNvPr id="6" name="Text 3"/>
           <p:cNvSpPr/>
           <p:nvPr/>
         </p:nvSpPr>
@@ -1776,7 +1750,7 @@
       </p:sp>
       <p:sp>
         <p:nvSpPr>
-          <p:cNvPr id="6" name="Text 4"/>
+          <p:cNvPr id="7" name="Text 4"/>
           <p:cNvSpPr/>
           <p:nvPr/>
         </p:nvSpPr>
@@ -1815,7 +1789,7 @@
       </p:sp>
       <p:sp>
         <p:nvSpPr>
-          <p:cNvPr id="7" name="Shape 5"/>
+          <p:cNvPr id="8" name="Shape 5"/>
           <p:cNvSpPr/>
           <p:nvPr/>
         </p:nvSpPr>
@@ -1844,6 +1818,13 @@
 <file path=ppt/slides/slide2.xml><?xml version="1.0" encoding="utf-8"?>
 <p:sld xmlns:a="http://schemas.openxmlformats.org/drawingml/2006/main" xmlns:r="http://schemas.openxmlformats.org/officeDocument/2006/relationships" xmlns:p="http://schemas.openxmlformats.org/presentationml/2006/main">
   <p:cSld name="Slide 2">
+    <p:bg>
+      <p:bgPr>
+        <a:solidFill>
+          <a:srgbClr val="1A1A2E"/>
+        </a:solidFill>
+      </p:bgPr>
+    </p:bg>
     <p:spTree>
       <p:nvGrpSpPr>
         <p:cNvPr id="1" name=""/>
@@ -1858,9 +1839,33 @@
           <a:chExt cx="0" cy="0"/>
         </a:xfrm>
       </p:grpSpPr>
-      <p:sp>
-        <p:nvSpPr>
-          <p:cNvPr id="2" name="Shape 0"/>
+      <p:pic>
+        <p:nvPicPr>
+          <p:cNvPr id="2" name="Image 0" descr="preencoded.png">    </p:cNvPr>
+          <p:cNvPicPr>
+            <a:picLocks noChangeAspect="1"/>
+          </p:cNvPicPr>
+          <p:nvPr/>
+        </p:nvPicPr>
+        <p:blipFill>
+          <a:blip r:embed="rId1"/>
+          <a:stretch>
+            <a:fillRect/>
+          </a:stretch>
+        </p:blipFill>
+        <p:spPr>
+          <a:xfrm>
+            <a:off x="274320" y="137160"/>
+            <a:ext cx="1097280" cy="457200"/>
+          </a:xfrm>
+          <a:prstGeom prst="rect">
+            <a:avLst/>
+          </a:prstGeom>
+        </p:spPr>
+      </p:pic>
+      <p:sp>
+        <p:nvSpPr>
+          <p:cNvPr id="3" name="Shape 0"/>
           <p:cNvSpPr/>
           <p:nvPr/>
         </p:nvSpPr>
@@ -1880,7 +1885,7 @@
       </p:sp>
       <p:sp>
         <p:nvSpPr>
-          <p:cNvPr id="3" name="Text 1"/>
+          <p:cNvPr id="4" name="Text 1"/>
           <p:cNvSpPr/>
           <p:nvPr/>
         </p:nvSpPr>
@@ -1919,7 +1924,7 @@
       </p:sp>
       <p:sp>
         <p:nvSpPr>
-          <p:cNvPr id="4" name="Text 2"/>
+          <p:cNvPr id="5" name="Text 2"/>
           <p:cNvSpPr/>
           <p:nvPr/>
         </p:nvSpPr>
@@ -1960,7 +1965,7 @@
       </p:sp>
       <p:sp>
         <p:nvSpPr>
-          <p:cNvPr id="5" name="Text 3"/>
+          <p:cNvPr id="6" name="Text 3"/>
           <p:cNvSpPr/>
           <p:nvPr/>
         </p:nvSpPr>
@@ -1999,7 +2004,7 @@
       </p:sp>
       <p:sp>
         <p:nvSpPr>
-          <p:cNvPr id="6" name="Text 4"/>
+          <p:cNvPr id="7" name="Text 4"/>
           <p:cNvSpPr/>
           <p:nvPr/>
         </p:nvSpPr>
@@ -2040,7 +2045,7 @@
       </p:sp>
       <p:sp>
         <p:nvSpPr>
-          <p:cNvPr id="7" name="Text 5"/>
+          <p:cNvPr id="8" name="Text 5"/>
           <p:cNvSpPr/>
           <p:nvPr/>
         </p:nvSpPr>
@@ -2079,7 +2084,7 @@
       </p:sp>
       <p:sp>
         <p:nvSpPr>
-          <p:cNvPr id="8" name="Text 6"/>
+          <p:cNvPr id="9" name="Text 6"/>
           <p:cNvSpPr/>
           <p:nvPr/>
         </p:nvSpPr>
@@ -2120,7 +2125,7 @@
       </p:sp>
       <p:sp>
         <p:nvSpPr>
-          <p:cNvPr id="9" name="Text 7"/>
+          <p:cNvPr id="10" name="Text 7"/>
           <p:cNvSpPr/>
           <p:nvPr/>
         </p:nvSpPr>
@@ -2168,6 +2173,13 @@
 <file path=ppt/slides/slide3.xml><?xml version="1.0" encoding="utf-8"?>
 <p:sld xmlns:a="http://schemas.openxmlformats.org/drawingml/2006/main" xmlns:r="http://schemas.openxmlformats.org/officeDocument/2006/relationships" xmlns:p="http://schemas.openxmlformats.org/presentationml/2006/main">
   <p:cSld name="Slide 3">
+    <p:bg>
+      <p:bgPr>
+        <a:solidFill>
+          <a:srgbClr val="1A1A2E"/>
+        </a:solidFill>
+      </p:bgPr>
+    </p:bg>
     <p:spTree>
       <p:nvGrpSpPr>
         <p:cNvPr id="1" name=""/>
@@ -2182,9 +2194,33 @@
           <a:chExt cx="0" cy="0"/>
         </a:xfrm>
       </p:grpSpPr>
-      <p:sp>
-        <p:nvSpPr>
-          <p:cNvPr id="2" name="Shape 0"/>
+      <p:pic>
+        <p:nvPicPr>
+          <p:cNvPr id="2" name="Image 0" descr="preencoded.png">    </p:cNvPr>
+          <p:cNvPicPr>
+            <a:picLocks noChangeAspect="1"/>
+          </p:cNvPicPr>
+          <p:nvPr/>
+        </p:nvPicPr>
+        <p:blipFill>
+          <a:blip r:embed="rId1"/>
+          <a:stretch>
+            <a:fillRect/>
+          </a:stretch>
+        </p:blipFill>
+        <p:spPr>
+          <a:xfrm>
+            <a:off x="274320" y="137160"/>
+            <a:ext cx="1097280" cy="457200"/>
+          </a:xfrm>
+          <a:prstGeom prst="rect">
+            <a:avLst/>
+          </a:prstGeom>
+        </p:spPr>
+      </p:pic>
+      <p:sp>
+        <p:nvSpPr>
+          <p:cNvPr id="3" name="Shape 0"/>
           <p:cNvSpPr/>
           <p:nvPr/>
         </p:nvSpPr>
@@ -2204,7 +2240,7 @@
       </p:sp>
       <p:sp>
         <p:nvSpPr>
-          <p:cNvPr id="3" name="Text 1"/>
+          <p:cNvPr id="4" name="Text 1"/>
           <p:cNvSpPr/>
           <p:nvPr/>
         </p:nvSpPr>
@@ -2243,7 +2279,7 @@
       </p:sp>
       <p:sp>
         <p:nvSpPr>
-          <p:cNvPr id="4" name="Text 2"/>
+          <p:cNvPr id="5" name="Text 2"/>
           <p:cNvSpPr/>
           <p:nvPr/>
         </p:nvSpPr>
@@ -2282,7 +2318,7 @@
       </p:sp>
       <p:sp>
         <p:nvSpPr>
-          <p:cNvPr id="5" name="Text 3"/>
+          <p:cNvPr id="6" name="Text 3"/>
           <p:cNvSpPr/>
           <p:nvPr/>
         </p:nvSpPr>
@@ -2321,7 +2357,7 @@
       </p:sp>
       <p:sp>
         <p:nvSpPr>
-          <p:cNvPr id="6" name="Text 4"/>
+          <p:cNvPr id="7" name="Text 4"/>
           <p:cNvSpPr/>
           <p:nvPr/>
         </p:nvSpPr>
@@ -2360,7 +2396,7 @@
       </p:sp>
       <p:sp>
         <p:nvSpPr>
-          <p:cNvPr id="7" name="Text 5"/>
+          <p:cNvPr id="8" name="Text 5"/>
           <p:cNvSpPr/>
           <p:nvPr/>
         </p:nvSpPr>
@@ -2399,7 +2435,7 @@
       </p:sp>
       <p:sp>
         <p:nvSpPr>
-          <p:cNvPr id="8" name="Text 6"/>
+          <p:cNvPr id="9" name="Text 6"/>
           <p:cNvSpPr/>
           <p:nvPr/>
         </p:nvSpPr>
@@ -2438,7 +2474,7 @@
       </p:sp>
       <p:sp>
         <p:nvSpPr>
-          <p:cNvPr id="9" name="Text 7"/>
+          <p:cNvPr id="10" name="Text 7"/>
           <p:cNvSpPr/>
           <p:nvPr/>
         </p:nvSpPr>
@@ -2486,6 +2522,13 @@
 <file path=ppt/slides/slide4.xml><?xml version="1.0" encoding="utf-8"?>
 <p:sld xmlns:a="http://schemas.openxmlformats.org/drawingml/2006/main" xmlns:r="http://schemas.openxmlformats.org/officeDocument/2006/relationships" xmlns:p="http://schemas.openxmlformats.org/presentationml/2006/main">
   <p:cSld name="Slide 4">
+    <p:bg>
+      <p:bgPr>
+        <a:solidFill>
+          <a:srgbClr val="1A1A2E"/>
+        </a:solidFill>
+      </p:bgPr>
+    </p:bg>
     <p:spTree>
       <p:nvGrpSpPr>
         <p:cNvPr id="1" name=""/>
@@ -2500,9 +2543,33 @@
           <a:chExt cx="0" cy="0"/>
         </a:xfrm>
       </p:grpSpPr>
-      <p:sp>
-        <p:nvSpPr>
-          <p:cNvPr id="2" name="Shape 0"/>
+      <p:pic>
+        <p:nvPicPr>
+          <p:cNvPr id="2" name="Image 0" descr="preencoded.png">    </p:cNvPr>
+          <p:cNvPicPr>
+            <a:picLocks noChangeAspect="1"/>
+          </p:cNvPicPr>
+          <p:nvPr/>
+        </p:nvPicPr>
+        <p:blipFill>
+          <a:blip r:embed="rId1"/>
+          <a:stretch>
+            <a:fillRect/>
+          </a:stretch>
+        </p:blipFill>
+        <p:spPr>
+          <a:xfrm>
+            <a:off x="274320" y="137160"/>
+            <a:ext cx="1097280" cy="457200"/>
+          </a:xfrm>
+          <a:prstGeom prst="rect">
+            <a:avLst/>
+          </a:prstGeom>
+        </p:spPr>
+      </p:pic>
+      <p:sp>
+        <p:nvSpPr>
+          <p:cNvPr id="3" name="Shape 0"/>
           <p:cNvSpPr/>
           <p:nvPr/>
         </p:nvSpPr>
@@ -2522,7 +2589,7 @@
       </p:sp>
       <p:sp>
         <p:nvSpPr>
-          <p:cNvPr id="3" name="Text 1"/>
+          <p:cNvPr id="4" name="Text 1"/>
           <p:cNvSpPr/>
           <p:nvPr/>
         </p:nvSpPr>
@@ -2561,7 +2628,7 @@
       </p:sp>
       <p:sp>
         <p:nvSpPr>
-          <p:cNvPr id="4" name="Text 2"/>
+          <p:cNvPr id="5" name="Text 2"/>
           <p:cNvSpPr/>
           <p:nvPr/>
         </p:nvSpPr>
@@ -2600,7 +2667,7 @@
       </p:sp>
       <p:sp>
         <p:nvSpPr>
-          <p:cNvPr id="5" name="Text 3"/>
+          <p:cNvPr id="6" name="Text 3"/>
           <p:cNvSpPr/>
           <p:nvPr/>
         </p:nvSpPr>
@@ -2639,7 +2706,7 @@
       </p:sp>
       <p:sp>
         <p:nvSpPr>
-          <p:cNvPr id="6" name="Text 4"/>
+          <p:cNvPr id="7" name="Text 4"/>
           <p:cNvSpPr/>
           <p:nvPr/>
         </p:nvSpPr>
@@ -2678,7 +2745,7 @@
       </p:sp>
       <p:sp>
         <p:nvSpPr>
-          <p:cNvPr id="7" name="Text 5"/>
+          <p:cNvPr id="8" name="Text 5"/>
           <p:cNvSpPr/>
           <p:nvPr/>
         </p:nvSpPr>
@@ -2717,7 +2784,7 @@
       </p:sp>
       <p:sp>
         <p:nvSpPr>
-          <p:cNvPr id="8" name="Text 6"/>
+          <p:cNvPr id="9" name="Text 6"/>
           <p:cNvSpPr/>
           <p:nvPr/>
         </p:nvSpPr>
@@ -2756,7 +2823,7 @@
       </p:sp>
       <p:sp>
         <p:nvSpPr>
-          <p:cNvPr id="9" name="Text 7"/>
+          <p:cNvPr id="10" name="Text 7"/>
           <p:cNvSpPr/>
           <p:nvPr/>
         </p:nvSpPr>
@@ -2804,6 +2871,13 @@
 <file path=ppt/slides/slide5.xml><?xml version="1.0" encoding="utf-8"?>
 <p:sld xmlns:a="http://schemas.openxmlformats.org/drawingml/2006/main" xmlns:r="http://schemas.openxmlformats.org/officeDocument/2006/relationships" xmlns:p="http://schemas.openxmlformats.org/presentationml/2006/main">
   <p:cSld name="Slide 5">
+    <p:bg>
+      <p:bgPr>
+        <a:solidFill>
+          <a:srgbClr val="1A1A2E"/>
+        </a:solidFill>
+      </p:bgPr>
+    </p:bg>
     <p:spTree>
       <p:nvGrpSpPr>
         <p:cNvPr id="1" name=""/>
@@ -2818,9 +2892,33 @@
           <a:chExt cx="0" cy="0"/>
         </a:xfrm>
       </p:grpSpPr>
-      <p:sp>
-        <p:nvSpPr>
-          <p:cNvPr id="2" name="Shape 0"/>
+      <p:pic>
+        <p:nvPicPr>
+          <p:cNvPr id="2" name="Image 0" descr="preencoded.png">    </p:cNvPr>
+          <p:cNvPicPr>
+            <a:picLocks noChangeAspect="1"/>
+          </p:cNvPicPr>
+          <p:nvPr/>
+        </p:nvPicPr>
+        <p:blipFill>
+          <a:blip r:embed="rId1"/>
+          <a:stretch>
+            <a:fillRect/>
+          </a:stretch>
+        </p:blipFill>
+        <p:spPr>
+          <a:xfrm>
+            <a:off x="274320" y="137160"/>
+            <a:ext cx="1097280" cy="457200"/>
+          </a:xfrm>
+          <a:prstGeom prst="rect">
+            <a:avLst/>
+          </a:prstGeom>
+        </p:spPr>
+      </p:pic>
+      <p:sp>
+        <p:nvSpPr>
+          <p:cNvPr id="3" name="Shape 0"/>
           <p:cNvSpPr/>
           <p:nvPr/>
         </p:nvSpPr>
@@ -2840,7 +2938,7 @@
       </p:sp>
       <p:sp>
         <p:nvSpPr>
-          <p:cNvPr id="3" name="Text 1"/>
+          <p:cNvPr id="4" name="Text 1"/>
           <p:cNvSpPr/>
           <p:nvPr/>
         </p:nvSpPr>
@@ -2871,7 +2969,7 @@
                 <a:ea typeface="Arial" pitchFamily="34" charset="-122"/>
                 <a:cs typeface="Arial" pitchFamily="34" charset="-120"/>
               </a:rPr>
-              <a:t>Protocolos de Eliminação</a:t>
+              <a:t>Protocolos</a:t>
             </a:r>
             <a:endParaRPr lang="en-US" sz="1800" dirty="0"/>
           </a:p>
@@ -2879,7 +2977,7 @@
       </p:sp>
       <p:sp>
         <p:nvSpPr>
-          <p:cNvPr id="4" name="Text 2"/>
+          <p:cNvPr id="5" name="Text 2"/>
           <p:cNvSpPr/>
           <p:nvPr/>
         </p:nvSpPr>
@@ -2918,7 +3016,7 @@
       </p:sp>
       <p:sp>
         <p:nvSpPr>
-          <p:cNvPr id="5" name="Text 3"/>
+          <p:cNvPr id="6" name="Text 3"/>
           <p:cNvSpPr/>
           <p:nvPr/>
         </p:nvSpPr>
@@ -2957,7 +3055,7 @@
       </p:sp>
       <p:sp>
         <p:nvSpPr>
-          <p:cNvPr id="6" name="Text 4"/>
+          <p:cNvPr id="7" name="Text 4"/>
           <p:cNvSpPr/>
           <p:nvPr/>
         </p:nvSpPr>
@@ -2996,7 +3094,7 @@
       </p:sp>
       <p:sp>
         <p:nvSpPr>
-          <p:cNvPr id="7" name="Text 5"/>
+          <p:cNvPr id="8" name="Text 5"/>
           <p:cNvSpPr/>
           <p:nvPr/>
         </p:nvSpPr>
@@ -3035,7 +3133,7 @@
       </p:sp>
       <p:sp>
         <p:nvSpPr>
-          <p:cNvPr id="8" name="Text 6"/>
+          <p:cNvPr id="9" name="Text 6"/>
           <p:cNvSpPr/>
           <p:nvPr/>
         </p:nvSpPr>
@@ -3074,7 +3172,7 @@
       </p:sp>
       <p:sp>
         <p:nvSpPr>
-          <p:cNvPr id="9" name="Text 7"/>
+          <p:cNvPr id="10" name="Text 7"/>
           <p:cNvSpPr/>
           <p:nvPr/>
         </p:nvSpPr>
@@ -3122,6 +3220,13 @@
 <file path=ppt/slides/slide6.xml><?xml version="1.0" encoding="utf-8"?>
 <p:sld xmlns:a="http://schemas.openxmlformats.org/drawingml/2006/main" xmlns:r="http://schemas.openxmlformats.org/officeDocument/2006/relationships" xmlns:p="http://schemas.openxmlformats.org/presentationml/2006/main">
   <p:cSld name="Slide 6">
+    <p:bg>
+      <p:bgPr>
+        <a:solidFill>
+          <a:srgbClr val="1A1A2E"/>
+        </a:solidFill>
+      </p:bgPr>
+    </p:bg>
     <p:spTree>
       <p:nvGrpSpPr>
         <p:cNvPr id="1" name=""/>
@@ -3136,9 +3241,33 @@
           <a:chExt cx="0" cy="0"/>
         </a:xfrm>
       </p:grpSpPr>
-      <p:sp>
-        <p:nvSpPr>
-          <p:cNvPr id="2" name="Shape 0"/>
+      <p:pic>
+        <p:nvPicPr>
+          <p:cNvPr id="2" name="Image 0" descr="preencoded.png">    </p:cNvPr>
+          <p:cNvPicPr>
+            <a:picLocks noChangeAspect="1"/>
+          </p:cNvPicPr>
+          <p:nvPr/>
+        </p:nvPicPr>
+        <p:blipFill>
+          <a:blip r:embed="rId1"/>
+          <a:stretch>
+            <a:fillRect/>
+          </a:stretch>
+        </p:blipFill>
+        <p:spPr>
+          <a:xfrm>
+            <a:off x="274320" y="137160"/>
+            <a:ext cx="1097280" cy="457200"/>
+          </a:xfrm>
+          <a:prstGeom prst="rect">
+            <a:avLst/>
+          </a:prstGeom>
+        </p:spPr>
+      </p:pic>
+      <p:sp>
+        <p:nvSpPr>
+          <p:cNvPr id="3" name="Shape 0"/>
           <p:cNvSpPr/>
           <p:nvPr/>
         </p:nvSpPr>
@@ -3158,7 +3287,7 @@
       </p:sp>
       <p:sp>
         <p:nvSpPr>
-          <p:cNvPr id="3" name="Text 1"/>
+          <p:cNvPr id="4" name="Text 1"/>
           <p:cNvSpPr/>
           <p:nvPr/>
         </p:nvSpPr>
@@ -3197,7 +3326,7 @@
       </p:sp>
       <p:sp>
         <p:nvSpPr>
-          <p:cNvPr id="4" name="Text 2"/>
+          <p:cNvPr id="5" name="Text 2"/>
           <p:cNvSpPr/>
           <p:nvPr/>
         </p:nvSpPr>
@@ -3236,7 +3365,7 @@
       </p:sp>
       <p:sp>
         <p:nvSpPr>
-          <p:cNvPr id="5" name="Text 3"/>
+          <p:cNvPr id="6" name="Text 3"/>
           <p:cNvSpPr/>
           <p:nvPr/>
         </p:nvSpPr>
@@ -3275,7 +3404,7 @@
       </p:sp>
       <p:sp>
         <p:nvSpPr>
-          <p:cNvPr id="6" name="Text 4"/>
+          <p:cNvPr id="7" name="Text 4"/>
           <p:cNvSpPr/>
           <p:nvPr/>
         </p:nvSpPr>
@@ -3314,7 +3443,7 @@
       </p:sp>
       <p:sp>
         <p:nvSpPr>
-          <p:cNvPr id="7" name="Text 5"/>
+          <p:cNvPr id="8" name="Text 5"/>
           <p:cNvSpPr/>
           <p:nvPr/>
         </p:nvSpPr>
@@ -3353,7 +3482,7 @@
       </p:sp>
       <p:sp>
         <p:nvSpPr>
-          <p:cNvPr id="8" name="Text 6"/>
+          <p:cNvPr id="9" name="Text 6"/>
           <p:cNvSpPr/>
           <p:nvPr/>
         </p:nvSpPr>
@@ -3392,7 +3521,7 @@
       </p:sp>
       <p:sp>
         <p:nvSpPr>
-          <p:cNvPr id="9" name="Text 7"/>
+          <p:cNvPr id="10" name="Text 7"/>
           <p:cNvSpPr/>
           <p:nvPr/>
         </p:nvSpPr>
@@ -3440,6 +3569,13 @@
 <file path=ppt/slides/slide7.xml><?xml version="1.0" encoding="utf-8"?>
 <p:sld xmlns:a="http://schemas.openxmlformats.org/drawingml/2006/main" xmlns:r="http://schemas.openxmlformats.org/officeDocument/2006/relationships" xmlns:p="http://schemas.openxmlformats.org/presentationml/2006/main">
   <p:cSld name="Slide 7">
+    <p:bg>
+      <p:bgPr>
+        <a:solidFill>
+          <a:srgbClr val="1A1A2E"/>
+        </a:solidFill>
+      </p:bgPr>
+    </p:bg>
     <p:spTree>
       <p:nvGrpSpPr>
         <p:cNvPr id="1" name=""/>
@@ -3454,9 +3590,33 @@
           <a:chExt cx="0" cy="0"/>
         </a:xfrm>
       </p:grpSpPr>
-      <p:sp>
-        <p:nvSpPr>
-          <p:cNvPr id="2" name="Shape 0"/>
+      <p:pic>
+        <p:nvPicPr>
+          <p:cNvPr id="2" name="Image 0" descr="preencoded.png">    </p:cNvPr>
+          <p:cNvPicPr>
+            <a:picLocks noChangeAspect="1"/>
+          </p:cNvPicPr>
+          <p:nvPr/>
+        </p:nvPicPr>
+        <p:blipFill>
+          <a:blip r:embed="rId1"/>
+          <a:stretch>
+            <a:fillRect/>
+          </a:stretch>
+        </p:blipFill>
+        <p:spPr>
+          <a:xfrm>
+            <a:off x="274320" y="137160"/>
+            <a:ext cx="1097280" cy="457200"/>
+          </a:xfrm>
+          <a:prstGeom prst="rect">
+            <a:avLst/>
+          </a:prstGeom>
+        </p:spPr>
+      </p:pic>
+      <p:sp>
+        <p:nvSpPr>
+          <p:cNvPr id="3" name="Shape 0"/>
           <p:cNvSpPr/>
           <p:nvPr/>
         </p:nvSpPr>
@@ -3476,7 +3636,7 @@
       </p:sp>
       <p:sp>
         <p:nvSpPr>
-          <p:cNvPr id="3" name="Text 1"/>
+          <p:cNvPr id="4" name="Text 1"/>
           <p:cNvSpPr/>
           <p:nvPr/>
         </p:nvSpPr>
@@ -3515,7 +3675,7 @@
       </p:sp>
       <p:sp>
         <p:nvSpPr>
-          <p:cNvPr id="4" name="Text 2"/>
+          <p:cNvPr id="5" name="Text 2"/>
           <p:cNvSpPr/>
           <p:nvPr/>
         </p:nvSpPr>
@@ -3554,7 +3714,7 @@
       </p:sp>
       <p:sp>
         <p:nvSpPr>
-          <p:cNvPr id="5" name="Text 3"/>
+          <p:cNvPr id="6" name="Text 3"/>
           <p:cNvSpPr/>
           <p:nvPr/>
         </p:nvSpPr>
@@ -3593,7 +3753,7 @@
       </p:sp>
       <p:sp>
         <p:nvSpPr>
-          <p:cNvPr id="6" name="Text 4"/>
+          <p:cNvPr id="7" name="Text 4"/>
           <p:cNvSpPr/>
           <p:nvPr/>
         </p:nvSpPr>
@@ -3632,7 +3792,7 @@
       </p:sp>
       <p:sp>
         <p:nvSpPr>
-          <p:cNvPr id="7" name="Text 5"/>
+          <p:cNvPr id="8" name="Text 5"/>
           <p:cNvSpPr/>
           <p:nvPr/>
         </p:nvSpPr>
@@ -3671,7 +3831,7 @@
       </p:sp>
       <p:sp>
         <p:nvSpPr>
-          <p:cNvPr id="8" name="Text 6"/>
+          <p:cNvPr id="9" name="Text 6"/>
           <p:cNvSpPr/>
           <p:nvPr/>
         </p:nvSpPr>
@@ -3710,7 +3870,7 @@
       </p:sp>
       <p:sp>
         <p:nvSpPr>
-          <p:cNvPr id="9" name="Text 7"/>
+          <p:cNvPr id="10" name="Text 7"/>
           <p:cNvSpPr/>
           <p:nvPr/>
         </p:nvSpPr>
@@ -3741,7 +3901,7 @@
                 <a:ea typeface="Arial" pitchFamily="34" charset="-122"/>
                 <a:cs typeface="Arial" pitchFamily="34" charset="-120"/>
               </a:rPr>
-              <a:t>Protocolos específicos para cada</a:t>
+              <a:t>Protocolos específicos</a:t>
             </a:r>
             <a:endParaRPr lang="en-US" sz="1500" dirty="0"/>
           </a:p>
@@ -3749,7 +3909,7 @@
       </p:sp>
       <p:sp>
         <p:nvSpPr>
-          <p:cNvPr id="10" name="Text 8"/>
+          <p:cNvPr id="11" name="Text 8"/>
           <p:cNvSpPr/>
           <p:nvPr/>
         </p:nvSpPr>
@@ -3788,7 +3948,7 @@
       </p:sp>
       <p:sp>
         <p:nvSpPr>
-          <p:cNvPr id="11" name="Text 9"/>
+          <p:cNvPr id="12" name="Text 9"/>
           <p:cNvSpPr/>
           <p:nvPr/>
         </p:nvSpPr>
@@ -3819,7 +3979,7 @@
                 <a:ea typeface="Arial" pitchFamily="34" charset="-122"/>
                 <a:cs typeface="Arial" pitchFamily="34" charset="-120"/>
               </a:rPr>
-              <a:t>Sistema = rotina + rituais + pausas</a:t>
+              <a:t>Sistema = rotina + rituais</a:t>
             </a:r>
             <a:endParaRPr lang="en-US" sz="1500" dirty="0"/>
           </a:p>
@@ -3836,6 +3996,13 @@
 <file path=ppt/slides/slide8.xml><?xml version="1.0" encoding="utf-8"?>
 <p:sld xmlns:a="http://schemas.openxmlformats.org/drawingml/2006/main" xmlns:r="http://schemas.openxmlformats.org/officeDocument/2006/relationships" xmlns:p="http://schemas.openxmlformats.org/presentationml/2006/main">
   <p:cSld name="Slide 8">
+    <p:bg>
+      <p:bgPr>
+        <a:solidFill>
+          <a:srgbClr val="1A1A2E"/>
+        </a:solidFill>
+      </p:bgPr>
+    </p:bg>
     <p:spTree>
       <p:nvGrpSpPr>
         <p:cNvPr id="1" name=""/>
@@ -3850,9 +4017,33 @@
           <a:chExt cx="0" cy="0"/>
         </a:xfrm>
       </p:grpSpPr>
-      <p:sp>
-        <p:nvSpPr>
-          <p:cNvPr id="2" name="Shape 0"/>
+      <p:pic>
+        <p:nvPicPr>
+          <p:cNvPr id="2" name="Image 0" descr="preencoded.png">    </p:cNvPr>
+          <p:cNvPicPr>
+            <a:picLocks noChangeAspect="1"/>
+          </p:cNvPicPr>
+          <p:nvPr/>
+        </p:nvPicPr>
+        <p:blipFill>
+          <a:blip r:embed="rId1"/>
+          <a:stretch>
+            <a:fillRect/>
+          </a:stretch>
+        </p:blipFill>
+        <p:spPr>
+          <a:xfrm>
+            <a:off x="274320" y="137160"/>
+            <a:ext cx="1097280" cy="457200"/>
+          </a:xfrm>
+          <a:prstGeom prst="rect">
+            <a:avLst/>
+          </a:prstGeom>
+        </p:spPr>
+      </p:pic>
+      <p:sp>
+        <p:nvSpPr>
+          <p:cNvPr id="3" name="Shape 0"/>
           <p:cNvSpPr/>
           <p:nvPr/>
         </p:nvSpPr>
@@ -3872,7 +4063,7 @@
       </p:sp>
       <p:sp>
         <p:nvSpPr>
-          <p:cNvPr id="3" name="Text 1"/>
+          <p:cNvPr id="4" name="Text 1"/>
           <p:cNvSpPr/>
           <p:nvPr/>
         </p:nvSpPr>
@@ -3911,7 +4102,7 @@
       </p:sp>
       <p:sp>
         <p:nvSpPr>
-          <p:cNvPr id="4" name="Shape 2"/>
+          <p:cNvPr id="5" name="Shape 2"/>
           <p:cNvSpPr/>
           <p:nvPr/>
         </p:nvSpPr>
@@ -3936,7 +4127,7 @@
       </p:sp>
       <p:sp>
         <p:nvSpPr>
-          <p:cNvPr id="5" name="Text 3"/>
+          <p:cNvPr id="6" name="Text 3"/>
           <p:cNvSpPr/>
           <p:nvPr/>
         </p:nvSpPr>
@@ -3967,7 +4158,7 @@
                 <a:ea typeface="Arial" pitchFamily="34" charset="-122"/>
                 <a:cs typeface="Arial" pitchFamily="34" charset="-120"/>
               </a:rPr>
-              <a:t>Desenhando Meu Sistema de Foco: Auditoria das distrações + protocolo personalizado + teste</a:t>
+              <a:t>Desenhando Meu Sistema de Foco: Auditoria + protocolo + teste</a:t>
             </a:r>
             <a:endParaRPr lang="en-US" sz="1500" dirty="0"/>
           </a:p>
@@ -3975,7 +4166,7 @@
       </p:sp>
       <p:sp>
         <p:nvSpPr>
-          <p:cNvPr id="6" name="Text 4"/>
+          <p:cNvPr id="7" name="Text 4"/>
           <p:cNvSpPr/>
           <p:nvPr/>
         </p:nvSpPr>
@@ -4023,6 +4214,13 @@
 <file path=ppt/slides/slide9.xml><?xml version="1.0" encoding="utf-8"?>
 <p:sld xmlns:a="http://schemas.openxmlformats.org/drawingml/2006/main" xmlns:r="http://schemas.openxmlformats.org/officeDocument/2006/relationships" xmlns:p="http://schemas.openxmlformats.org/presentationml/2006/main">
   <p:cSld name="Slide 9">
+    <p:bg>
+      <p:bgPr>
+        <a:solidFill>
+          <a:srgbClr val="1A1A2E"/>
+        </a:solidFill>
+      </p:bgPr>
+    </p:bg>
     <p:spTree>
       <p:nvGrpSpPr>
         <p:cNvPr id="1" name=""/>
@@ -4037,9 +4235,33 @@
           <a:chExt cx="0" cy="0"/>
         </a:xfrm>
       </p:grpSpPr>
-      <p:sp>
-        <p:nvSpPr>
-          <p:cNvPr id="2" name="Shape 0"/>
+      <p:pic>
+        <p:nvPicPr>
+          <p:cNvPr id="2" name="Image 0" descr="preencoded.png">    </p:cNvPr>
+          <p:cNvPicPr>
+            <a:picLocks noChangeAspect="1"/>
+          </p:cNvPicPr>
+          <p:nvPr/>
+        </p:nvPicPr>
+        <p:blipFill>
+          <a:blip r:embed="rId1"/>
+          <a:stretch>
+            <a:fillRect/>
+          </a:stretch>
+        </p:blipFill>
+        <p:spPr>
+          <a:xfrm>
+            <a:off x="274320" y="137160"/>
+            <a:ext cx="1097280" cy="457200"/>
+          </a:xfrm>
+          <a:prstGeom prst="rect">
+            <a:avLst/>
+          </a:prstGeom>
+        </p:spPr>
+      </p:pic>
+      <p:sp>
+        <p:nvSpPr>
+          <p:cNvPr id="3" name="Shape 0"/>
           <p:cNvSpPr/>
           <p:nvPr/>
         </p:nvSpPr>
@@ -4059,7 +4281,7 @@
       </p:sp>
       <p:sp>
         <p:nvSpPr>
-          <p:cNvPr id="3" name="Text 1"/>
+          <p:cNvPr id="4" name="Text 1"/>
           <p:cNvSpPr/>
           <p:nvPr/>
         </p:nvSpPr>
@@ -4098,7 +4320,7 @@
       </p:sp>
       <p:sp>
         <p:nvSpPr>
-          <p:cNvPr id="4" name="Shape 2"/>
+          <p:cNvPr id="5" name="Shape 2"/>
           <p:cNvSpPr/>
           <p:nvPr/>
         </p:nvSpPr>
@@ -4123,7 +4345,7 @@
       </p:sp>
       <p:sp>
         <p:nvSpPr>
-          <p:cNvPr id="5" name="Text 3"/>
+          <p:cNvPr id="6" name="Text 3"/>
           <p:cNvSpPr/>
           <p:nvPr/>
         </p:nvSpPr>
@@ -4154,7 +4376,7 @@
                 <a:ea typeface="Arial" pitchFamily="34" charset="-122"/>
                 <a:cs typeface="Arial" pitchFamily="34" charset="-120"/>
               </a:rPr>
-              <a:t>"Você não precisa de mais força de vontade. Você precisa de melhores sistemas."</a:t>
+              <a:t>"Você não precisa de força de vontade. Precisa de melhores sistemas."</a:t>
             </a:r>
             <a:endParaRPr lang="en-US" sz="1600" dirty="0"/>
           </a:p>
@@ -4162,7 +4384,7 @@
       </p:sp>
       <p:sp>
         <p:nvSpPr>
-          <p:cNvPr id="6" name="Text 4"/>
+          <p:cNvPr id="7" name="Text 4"/>
           <p:cNvSpPr/>
           <p:nvPr/>
         </p:nvSpPr>
@@ -4201,7 +4423,7 @@
       </p:sp>
       <p:sp>
         <p:nvSpPr>
-          <p:cNvPr id="7" name="Text 5"/>
+          <p:cNvPr id="8" name="Text 5"/>
           <p:cNvSpPr/>
           <p:nvPr/>
         </p:nvSpPr>

--- a/apresentacoes/foco-produtividade/aula-05-equilibrio-estavel.pptx
+++ b/apresentacoes/foco-produtividade/aula-05-equilibrio-estavel.pptx
@@ -14,9 +14,10 @@
     <p:sldId id="262" r:id="rId8"/>
     <p:sldId id="263" r:id="rId9"/>
     <p:sldId id="264" r:id="rId10"/>
+    <p:sldId id="265" r:id="rId11"/>
   </p:sldIdLst>
   <p:notesMasterIdLst>
-    <p:notesMasterId r:id="rId11"/>
+    <p:notesMasterId r:id="rId12"/>
   </p:notesMasterIdLst>
   <p:sldSz cx="9144000" cy="5143500"/>
   <p:notesSz cx="5143500" cy="9144000"/>
@@ -510,7 +511,13 @@
           <a:p>
             <a:r>
               <a:rPr lang="en-US" dirty="0"/>
-              <a:t/>
+              <a:t>Bem-vindo à Aula 5! Esta é a última aula do nosso bloco de Fundamentos, e ela é especial.
+Nas últimas quatro aulas, você aprendeu:
+- O que são hiperfoco e hiperprodutividade
+- As quatro premissas que governam a atenção
+- A diferença entre foco seduzido e foco direcionado
+Hoje, vamos juntar tudo isso em um conceito prático: o Equilíbrio Estável. E mais: você vai sair desta aula com um protocolo claro para eliminar os três tipos de distração que sabotam seus estudos.
+Vamos lá!</a:t>
             </a:r>
             <a:endParaRPr lang="en-US" dirty="0"/>
           </a:p>
@@ -534,6 +541,102 @@
             <a:fld id="{F7021451-1387-4CA6-816F-3879F97B5CBC}" type="slidenum">
               <a:rPr lang="en-US"/>
               <a:t>1</a:t>
+            </a:fld>
+            <a:endParaRPr lang="en-US"/>
+          </a:p>
+        </p:txBody>
+      </p:sp>
+    </p:spTree>
+    <p:extLst>
+      <p:ext uri="{BB962C8B-B14F-4D97-AF65-F5344CB8AC3E}">
+        <p14:creationId xmlns:p14="http://schemas.microsoft.com/office/powerpoint/2010/main" val="1024086991"/>
+      </p:ext>
+    </p:extLst>
+  </p:cSld>
+  <p:clrMapOvr>
+    <a:masterClrMapping/>
+  </p:clrMapOvr>
+</p:notes>
+</file>
+
+<file path=ppt/notesSlides/notesSlide10.xml><?xml version="1.0" encoding="utf-8"?>
+<p:notes xmlns:a="http://schemas.openxmlformats.org/drawingml/2006/main" xmlns:r="http://schemas.openxmlformats.org/officeDocument/2006/relationships" xmlns:p="http://schemas.openxmlformats.org/presentationml/2006/main">
+  <p:cSld>
+    <p:spTree>
+      <p:nvGrpSpPr>
+        <p:cNvPr id="1" name=""/>
+        <p:cNvGrpSpPr/>
+        <p:nvPr/>
+      </p:nvGrpSpPr>
+      <p:grpSpPr>
+        <a:xfrm>
+          <a:off x="0" y="0"/>
+          <a:ext cx="0" cy="0"/>
+          <a:chOff x="0" y="0"/>
+          <a:chExt cx="0" cy="0"/>
+        </a:xfrm>
+      </p:grpSpPr>
+      <p:sp>
+        <p:nvSpPr>
+          <p:cNvPr id="2" name="Slide Image Placeholder 1"/>
+          <p:cNvSpPr>
+            <a:spLocks noGrp="1" noRot="1" noChangeAspect="1"/>
+          </p:cNvSpPr>
+          <p:nvPr>
+            <p:ph type="sldImg"/>
+          </p:nvPr>
+        </p:nvSpPr>
+        <p:spPr/>
+      </p:sp>
+      <p:sp>
+        <p:nvSpPr>
+          <p:cNvPr id="3" name="Notes Placeholder 2"/>
+          <p:cNvSpPr>
+            <a:spLocks noGrp="1"/>
+          </p:cNvSpPr>
+          <p:nvPr>
+            <p:ph type="body" idx="1"/>
+          </p:nvPr>
+        </p:nvSpPr>
+        <p:spPr/>
+        <p:txBody>
+          <a:bodyPr/>
+          <a:lstStyle/>
+          <a:p>
+            <a:r>
+              <a:rPr lang="en-US" dirty="0"/>
+              <a:t>Vamos recapitular esta aula:
+- Equilíbrio estável é um sistema onde o foco é o caminho de menor resistência
+- Existem três camadas de distração: externa, interna e emocional
+- Cada uma tem seu protocolo específico de eliminação
+- Um sistema sustentável combina rotina, rituais e cuidado com cada camada
+E com isso, fechamos o Bloco de Fundamentos!
+Nas últimas 5 aulas você construiu uma base sólida. Você entende o que é hiperfoco, conhece as premissas da atenção, sabe a diferença entre foco seduzido e direcionado, e agora tem um sistema para eliminar distrações.
+No próximo bloco (Aulas 6-10), vamos entrar no tema Atenção: como proteger seu espaço atencional, criar rituais de entrada poderosos, gerenciar interrupções, eliminar ladrões de tempo e técnicas de memorização.
+Mas antes, a atividade que fecha este bloco!</a:t>
+            </a:r>
+            <a:endParaRPr lang="en-US" dirty="0"/>
+          </a:p>
+        </p:txBody>
+      </p:sp>
+      <p:sp>
+        <p:nvSpPr>
+          <p:cNvPr id="4" name="Slide Number Placeholder 3"/>
+          <p:cNvSpPr>
+            <a:spLocks noGrp="1"/>
+          </p:cNvSpPr>
+          <p:nvPr>
+            <p:ph type="sldNum" sz="quarter" idx="10"/>
+          </p:nvPr>
+        </p:nvSpPr>
+        <p:spPr/>
+        <p:txBody>
+          <a:bodyPr/>
+          <a:lstStyle/>
+          <a:p>
+            <a:fld id="{F7021451-1387-4CA6-816F-3879F97B5CBC}" type="slidenum">
+              <a:rPr lang="en-US"/>
+              <a:t>10</a:t>
             </a:fld>
             <a:endParaRPr lang="en-US"/>
           </a:p>
@@ -598,7 +701,10 @@
           <a:p>
             <a:r>
               <a:rPr lang="en-US" dirty="0"/>
-              <a:t/>
+              <a:t>Nesta aula, você vai aprender os conceitos principais apresentados nos objetivos. Bem-vindo à Aula 5! Esta é a última aula do nosso bloco de Fundamentos, e ela é especial.
+Nas últimas quatro aulas, você aprendeu:
+- O que são hiperfoco e hiperprodutividade
+- As quatro premissas</a:t>
             </a:r>
             <a:endParaRPr lang="en-US" dirty="0"/>
           </a:p>
@@ -686,7 +792,13 @@
           <a:p>
             <a:r>
               <a:rPr lang="en-US" dirty="0"/>
-              <a:t/>
+              <a:t>O que é Equilíbrio Estável
+Imagine uma bola no topo de uma montanha. Qualquer ventinho a derruba. Isso é equilíbrio instável. Muita gente tenta manter o foco assim: com força de vontade extrema, resistindo a cada tentação, usando toda energia para não cair.
+Não funciona. Cansa. E quando a energia acaba, você cai.
+Agora imagine uma bola dentro de uma tigela. Se você a empurrar, ela volta ao centro sozinha. Isso é equilíbrio estável. É um sistema onde o estado padrão é o foco, e voltar a ele é natural.
+Esse é nosso objetivo: criar um sistema onde focar seja o caminho de menor resistência.
+Não se trata de ter mais força de vontade. Se trata de precisar de menos. Quando seu ambiente, sua rotina e seu estado emocional estão alinhados, o foco acontece quase naturalmente.
+E a chave para isso é eliminar as distrações antes que elas apareçam.</a:t>
             </a:r>
             <a:endParaRPr lang="en-US" dirty="0"/>
           </a:p>
@@ -774,7 +886,32 @@
           <a:p>
             <a:r>
               <a:rPr lang="en-US" dirty="0"/>
-              <a:t/>
+              <a:t>As três camadas de distrações
+As distrações que sabotam seu foco vêm de três fontes:
+1. Distrações Externas (Ambiente)
+Essas são as mais óbvias:
+- O celular vibrando
+- Barulho de TV ou conversas
+- Notificações no computador
+- Pessoas interrompendo
+- Ambiente desorganizado
+São externas porque vêm de fora de você. E são as mais fáceis de controlar.
+2. Distrações Internas (Pensamentos)
+Essas são mais sutis:
+- "Preciso responder aquele e-mail"
+- "O que vou fazer de jantar?"
+- "Será que fulano viu minha mensagem?"
+- "Tenho que ligar pro banco amanhã"
+São os pensamentos que invadem sua mente enquanto você tenta estudar. Não vêm de fora, mas de dentro. Do seu próprio cérebro.
+3. Distrações Emocionais (Sentimentos)
+Essas são as mais profundas:
+- Ansiedade sobre o futuro
+- Preocupação com um problema pessoal
+- Frustração com algo que aconteceu
+- Medo de não conseguir
+- Cansaço emocional
+São estados emocionais que drenam sua capacidade de foco, mesmo quando o ambiente está perfeito e os pensamentos controlados.
+Para ter equilíbrio estável, precisamos de estratégias para cada uma dessas camadas.</a:t>
             </a:r>
             <a:endParaRPr lang="en-US" dirty="0"/>
           </a:p>
@@ -862,7 +999,51 @@
           <a:p>
             <a:r>
               <a:rPr lang="en-US" dirty="0"/>
-              <a:t/>
+              <a:t>Técnicas de eliminação para cada camada
+Protocolo para Distrações Externas:
+1. Antes de começar a estudar:
+   - Celular em outro cômodo (não apenas virado - em outro cômodo)
+   - Todas as abas desnecessárias fechadas no computador
+   - Notificações desligadas
+   - Ambiente com apenas material necessário
+   - Aviso para pessoas próximas: "Estou em foco até [horário]"
+2. Durante o estudo:
+   - Use um bloqueador de sites se necessário (Cold Turkey, Freedom)
+   - Fones de ouvido com ruído branco ou música sem letra
+   - Tenha água e o que precisar à mão para não levantar
+3. Regra de ouro: Se leva menos de 2 minutos para eliminar uma potencial distração, elimine antes de começar.
+Protocolo para Distrações Internas:
+1. A técnica da lista de captura:
+   - Tenha um papel ao lado enquanto estuda
+   - Quando um pensamento surgir ("preciso fazer X"), anote rapidamente
+   - Prometa a si mesmo: "Vou lidar com isso depois"
+   - Volte ao estudo
+   Isso funciona porque seu cérebro relaxa quando sabe que a informação não vai ser perdida.
+2. O poder do "depois":
+   - Não tente resolver o pensamento na hora
+   - A maioria das coisas pode esperar 1-2 horas
+   - Ter um momento dedicado para "processar a lista" depois do estudo
+3. Planejamento prévio:
+   - Antes de estudar, faça um "brain dump": escreva tudo que está na sua cabeça
+   - Defina quando vai lidar com cada item
+   - Entre no estudo com a mente mais limpa
+Protocolo para Distrações Emocionais:
+1. Reconheça sem lutar:
+   - Emoções reprimidas ficam mais fortes
+   - Pause, respire, reconheça: "Estou me sentindo ansioso/frustrado/cansado"
+   - Não julgue - apenas observe
+2. A técnica dos 5 minutos:
+   - Se a emoção for muito forte, dê 5 minutos para ela
+   - Escreva sobre o que está sentindo
+   - Depois, gentilmente direcione o foco de volta
+3. Cuide das causas:
+   - Sono adequado reduz irritabilidade
+   - Exercício físico reduz ansiedade
+   - Alimentação adequada estabiliza humor
+   - Às vezes, a melhor preparação para estudar é uma caminhada de 15 minutos
+4. Quando não forçar:
+   - Se você está em luto, em crise, ou emocionalmente exausto, talvez não seja hora de estudo profundo
+   - Estudar um pouco é melhor que estudar nada, mas forçar demais em momento errado cria aversão</a:t>
             </a:r>
             <a:endParaRPr lang="en-US" dirty="0"/>
           </a:p>
@@ -950,7 +1131,28 @@
           <a:p>
             <a:r>
               <a:rPr lang="en-US" dirty="0"/>
-              <a:t/>
+              <a:t>Criando seu sistema sustentável
+Agora vamos juntar tudo em um sistema.
+Um sistema de foco sustentável tem:
+1. Rotina de Preparação (5 minutos antes de estudar)
+   - Eliminar distrações externas
+   - Fazer brain dump das distrações internas
+   - Check-in emocional rápido
+2. Ritual de Entrada (2 minutos)
+   - Uma ação específica que sinaliza "hora de focar"
+   - Pode ser fazer um chá, colocar música específica, abrir o material
+3. Blocos de Foco (45-90 minutos)
+   - Estudo ininterrupto
+   - Com técnicas que veremos nas próximas aulas
+4. Ritual de Saída (5 minutos)
+   - Revisar o que aprendeu
+   - Processar lista de captura
+   - Anotar onde parou para retomar depois
+5. Pausas Reais (15-30 minutos)
+   - Sem telas
+   - Movimento físico
+   - Descanso mental real
+A beleza de um sistema é que ele tira a decisão da equação. Você não precisa decidir "será que vou estudar hoje?". Você só segue o sistema. E quando o sistema está bem desenhado, o foco é o resultado natural.</a:t>
             </a:r>
             <a:endParaRPr lang="en-US" dirty="0"/>
           </a:p>
@@ -1038,7 +1240,7 @@
           <a:p>
             <a:r>
               <a:rPr lang="en-US" dirty="0"/>
-              <a:t/>
+              <a:t>Resumo dos pontos principais da aula.</a:t>
             </a:r>
             <a:endParaRPr lang="en-US" dirty="0"/>
           </a:p>
@@ -1126,7 +1328,7 @@
           <a:p>
             <a:r>
               <a:rPr lang="en-US" dirty="0"/>
-              <a:t/>
+              <a:t>Este infográfico resume visualmente os principais conceitos da aula. Use-o para reforçar o aprendizado.</a:t>
             </a:r>
             <a:endParaRPr lang="en-US" dirty="0"/>
           </a:p>
@@ -1214,7 +1416,7 @@
           <a:p>
             <a:r>
               <a:rPr lang="en-US" dirty="0"/>
-              <a:t/>
+              <a:t>Agora é hora da prática!  Esta é a atividade mais importante do bloco - seu sistema pessoal!</a:t>
             </a:r>
             <a:endParaRPr lang="en-US" dirty="0"/>
           </a:p>
@@ -1640,7 +1842,7 @@
                 <a:ea typeface="Arial" pitchFamily="34" charset="-122"/>
                 <a:cs typeface="Arial" pitchFamily="34" charset="-120"/>
               </a:rPr>
-              <a:t>Módulo 1 - Hiperfoco | Bloco: Fundamentos</a:t>
+              <a:t>1 - Hiperfoco e Hiperprodutividade | Bloco: Fundamentos</a:t>
             </a:r>
             <a:endParaRPr lang="en-US" sz="1400" dirty="0"/>
           </a:p>
@@ -1881,7 +2083,7 @@
                 <a:ea typeface="Arial" pitchFamily="34" charset="-122"/>
                 <a:cs typeface="Arial" pitchFamily="34" charset="-120"/>
               </a:rPr>
-              <a:t>⏱ Duração: ~25 min</a:t>
+              <a:t>⏱ Duração: ~23 minutos</a:t>
             </a:r>
             <a:endParaRPr lang="en-US" sz="1100" dirty="0"/>
           </a:p>
@@ -1945,7 +2147,7 @@
                 <a:ea typeface="Arial" pitchFamily="34" charset="-122"/>
                 <a:cs typeface="Arial" pitchFamily="34" charset="-120"/>
               </a:rPr>
-              <a:t>📚 Nível: Intermediário</a:t>
+              <a:t>📚 Nível: Introdutório</a:t>
             </a:r>
             <a:endParaRPr lang="en-US" sz="1100" dirty="0"/>
           </a:p>
@@ -2017,7 +2219,7 @@
       </p:sp>
       <p:pic>
         <p:nvPicPr>
-          <p:cNvPr id="16" name="Image 0" descr="preencoded.png">    </p:cNvPr>
+          <p:cNvPr id="17" name="Image 0" descr="preencoded.png">    </p:cNvPr>
           <p:cNvPicPr>
             <a:picLocks noChangeAspect="1"/>
           </p:cNvPicPr>
@@ -2033,6 +2235,382 @@
           <a:xfrm>
             <a:off x="7498080" y="4389120"/>
             <a:ext cx="1371600" cy="548640"/>
+          </a:xfrm>
+          <a:prstGeom prst="rect">
+            <a:avLst/>
+          </a:prstGeom>
+        </p:spPr>
+      </p:pic>
+    </p:spTree>
+  </p:cSld>
+  <p:clrMapOvr>
+    <a:masterClrMapping/>
+  </p:clrMapOvr>
+</p:sld>
+</file>
+
+<file path=ppt/slides/slide10.xml><?xml version="1.0" encoding="utf-8"?>
+<p:sld xmlns:a="http://schemas.openxmlformats.org/drawingml/2006/main" xmlns:r="http://schemas.openxmlformats.org/officeDocument/2006/relationships" xmlns:p="http://schemas.openxmlformats.org/presentationml/2006/main">
+  <p:cSld name="Slide 10">
+    <p:bg>
+      <p:bgPr>
+        <a:solidFill>
+          <a:srgbClr val="1A1A2E"/>
+        </a:solidFill>
+      </p:bgPr>
+    </p:bg>
+    <p:spTree>
+      <p:nvGrpSpPr>
+        <p:cNvPr id="1" name=""/>
+        <p:cNvGrpSpPr/>
+        <p:nvPr/>
+      </p:nvGrpSpPr>
+      <p:grpSpPr>
+        <a:xfrm>
+          <a:off x="0" y="0"/>
+          <a:ext cx="0" cy="0"/>
+          <a:chOff x="0" y="0"/>
+          <a:chExt cx="0" cy="0"/>
+        </a:xfrm>
+      </p:grpSpPr>
+      <p:sp>
+        <p:nvSpPr>
+          <p:cNvPr id="2" name="Shape 0"/>
+          <p:cNvSpPr/>
+          <p:nvPr/>
+        </p:nvSpPr>
+        <p:spPr>
+          <a:xfrm>
+            <a:off x="0" y="0"/>
+            <a:ext cx="9144000" cy="822960"/>
+          </a:xfrm>
+          <a:prstGeom prst="rect">
+            <a:avLst/>
+          </a:prstGeom>
+          <a:solidFill>
+            <a:srgbClr val="0F172A"/>
+          </a:solidFill>
+          <a:ln/>
+        </p:spPr>
+      </p:sp>
+      <p:sp>
+        <p:nvSpPr>
+          <p:cNvPr id="3" name="Text 1"/>
+          <p:cNvSpPr/>
+          <p:nvPr/>
+        </p:nvSpPr>
+        <p:spPr>
+          <a:xfrm>
+            <a:off x="457200" y="228600"/>
+            <a:ext cx="8229600" cy="457200"/>
+          </a:xfrm>
+          <a:prstGeom prst="rect">
+            <a:avLst/>
+          </a:prstGeom>
+          <a:noFill/>
+          <a:ln/>
+        </p:spPr>
+        <p:txBody>
+          <a:bodyPr wrap="square" rtlCol="0" anchor="ctr"/>
+          <a:lstStyle/>
+          <a:p>
+            <a:pPr indent="0" marL="0">
+              <a:buNone/>
+            </a:pPr>
+            <a:r>
+              <a:rPr lang="en-US" sz="2000" b="1" dirty="0">
+                <a:solidFill>
+                  <a:srgbClr val="FFFFFF"/>
+                </a:solidFill>
+                <a:latin typeface="Arial" pitchFamily="34" charset="0"/>
+                <a:ea typeface="Arial" pitchFamily="34" charset="-122"/>
+                <a:cs typeface="Arial" pitchFamily="34" charset="-120"/>
+              </a:rPr>
+              <a:t>Aula 05 - Encerramento</a:t>
+            </a:r>
+            <a:endParaRPr lang="en-US" sz="2000" dirty="0"/>
+          </a:p>
+        </p:txBody>
+      </p:sp>
+      <p:sp>
+        <p:nvSpPr>
+          <p:cNvPr id="4" name="Shape 2"/>
+          <p:cNvSpPr/>
+          <p:nvPr/>
+        </p:nvSpPr>
+        <p:spPr>
+          <a:xfrm>
+            <a:off x="0" y="822960"/>
+            <a:ext cx="2743200" cy="91440"/>
+          </a:xfrm>
+          <a:prstGeom prst="rect">
+            <a:avLst/>
+          </a:prstGeom>
+          <a:solidFill>
+            <a:srgbClr val="667EEA"/>
+          </a:solidFill>
+          <a:ln/>
+        </p:spPr>
+      </p:sp>
+      <p:sp>
+        <p:nvSpPr>
+          <p:cNvPr id="5" name="Shape 3"/>
+          <p:cNvSpPr/>
+          <p:nvPr/>
+        </p:nvSpPr>
+        <p:spPr>
+          <a:xfrm>
+            <a:off x="3200400" y="822960"/>
+            <a:ext cx="2743200" cy="91440"/>
+          </a:xfrm>
+          <a:prstGeom prst="rect">
+            <a:avLst/>
+          </a:prstGeom>
+          <a:solidFill>
+            <a:srgbClr val="22C55E"/>
+          </a:solidFill>
+          <a:ln/>
+        </p:spPr>
+      </p:sp>
+      <p:sp>
+        <p:nvSpPr>
+          <p:cNvPr id="6" name="Shape 4"/>
+          <p:cNvSpPr/>
+          <p:nvPr/>
+        </p:nvSpPr>
+        <p:spPr>
+          <a:xfrm>
+            <a:off x="6400800" y="822960"/>
+            <a:ext cx="2743200" cy="91440"/>
+          </a:xfrm>
+          <a:prstGeom prst="rect">
+            <a:avLst/>
+          </a:prstGeom>
+          <a:solidFill>
+            <a:srgbClr val="3B82F6"/>
+          </a:solidFill>
+          <a:ln/>
+        </p:spPr>
+      </p:sp>
+      <p:sp>
+        <p:nvSpPr>
+          <p:cNvPr id="7" name="Shape 5"/>
+          <p:cNvSpPr/>
+          <p:nvPr/>
+        </p:nvSpPr>
+        <p:spPr>
+          <a:xfrm>
+            <a:off x="914400" y="1371600"/>
+            <a:ext cx="7315200" cy="1828800"/>
+          </a:xfrm>
+          <a:prstGeom prst="roundRect">
+            <a:avLst/>
+          </a:prstGeom>
+          <a:solidFill>
+            <a:srgbClr val="2A2A4A"/>
+          </a:solidFill>
+          <a:ln w="25400">
+            <a:solidFill>
+              <a:srgbClr val="667EEA"/>
+            </a:solidFill>
+            <a:prstDash val="solid"/>
+          </a:ln>
+        </p:spPr>
+      </p:sp>
+      <p:sp>
+        <p:nvSpPr>
+          <p:cNvPr id="8" name="Text 6"/>
+          <p:cNvSpPr/>
+          <p:nvPr/>
+        </p:nvSpPr>
+        <p:spPr>
+          <a:xfrm>
+            <a:off x="1097280" y="1371600"/>
+            <a:ext cx="457200" cy="731520"/>
+          </a:xfrm>
+          <a:prstGeom prst="rect">
+            <a:avLst/>
+          </a:prstGeom>
+          <a:noFill/>
+          <a:ln/>
+        </p:spPr>
+        <p:txBody>
+          <a:bodyPr wrap="square" rtlCol="0" anchor="ctr"/>
+          <a:lstStyle/>
+          <a:p>
+            <a:pPr indent="0" marL="0">
+              <a:buNone/>
+            </a:pPr>
+            <a:r>
+              <a:rPr lang="en-US" sz="4800" i="1" dirty="0">
+                <a:solidFill>
+                  <a:srgbClr val="667EEA"/>
+                </a:solidFill>
+                <a:latin typeface="Georgia" pitchFamily="34" charset="0"/>
+                <a:ea typeface="Georgia" pitchFamily="34" charset="-122"/>
+                <a:cs typeface="Georgia" pitchFamily="34" charset="-120"/>
+              </a:rPr>
+              <a:t>"</a:t>
+            </a:r>
+            <a:endParaRPr lang="en-US" sz="4800" dirty="0"/>
+          </a:p>
+        </p:txBody>
+      </p:sp>
+      <p:sp>
+        <p:nvSpPr>
+          <p:cNvPr id="9" name="Text 7"/>
+          <p:cNvSpPr/>
+          <p:nvPr/>
+        </p:nvSpPr>
+        <p:spPr>
+          <a:xfrm>
+            <a:off x="1371600" y="1737360"/>
+            <a:ext cx="6400800" cy="1097280"/>
+          </a:xfrm>
+          <a:prstGeom prst="rect">
+            <a:avLst/>
+          </a:prstGeom>
+          <a:noFill/>
+          <a:ln/>
+        </p:spPr>
+        <p:txBody>
+          <a:bodyPr wrap="square" rtlCol="0" anchor="ctr"/>
+          <a:lstStyle/>
+          <a:p>
+            <a:pPr algn="ctr" indent="0" marL="0">
+              <a:buNone/>
+            </a:pPr>
+            <a:r>
+              <a:rPr lang="en-US" sz="1600" i="1" dirty="0">
+                <a:solidFill>
+                  <a:srgbClr val="FFFFFF"/>
+                </a:solidFill>
+                <a:latin typeface="Arial" pitchFamily="34" charset="0"/>
+                <a:ea typeface="Arial" pitchFamily="34" charset="-122"/>
+                <a:cs typeface="Arial" pitchFamily="34" charset="-120"/>
+              </a:rPr>
+              <a:t>Você não precisa de mais força de vontade. Você precisa de melhores sistemas. Agora você tem o seu.</a:t>
+            </a:r>
+            <a:endParaRPr lang="en-US" sz="1600" dirty="0"/>
+          </a:p>
+        </p:txBody>
+      </p:sp>
+      <p:sp>
+        <p:nvSpPr>
+          <p:cNvPr id="10" name="Shape 8"/>
+          <p:cNvSpPr/>
+          <p:nvPr/>
+        </p:nvSpPr>
+        <p:spPr>
+          <a:xfrm>
+            <a:off x="0" y="3840480"/>
+            <a:ext cx="9144000" cy="822960"/>
+          </a:xfrm>
+          <a:prstGeom prst="rect">
+            <a:avLst/>
+          </a:prstGeom>
+          <a:solidFill>
+            <a:srgbClr val="0F172A"/>
+          </a:solidFill>
+          <a:ln/>
+        </p:spPr>
+      </p:sp>
+      <p:sp>
+        <p:nvSpPr>
+          <p:cNvPr id="11" name="Text 9"/>
+          <p:cNvSpPr/>
+          <p:nvPr/>
+        </p:nvSpPr>
+        <p:spPr>
+          <a:xfrm>
+            <a:off x="457200" y="3977640"/>
+            <a:ext cx="3657600" cy="274320"/>
+          </a:xfrm>
+          <a:prstGeom prst="rect">
+            <a:avLst/>
+          </a:prstGeom>
+          <a:noFill/>
+          <a:ln/>
+        </p:spPr>
+        <p:txBody>
+          <a:bodyPr wrap="square" rtlCol="0" anchor="ctr"/>
+          <a:lstStyle/>
+          <a:p>
+            <a:pPr indent="0" marL="0">
+              <a:buNone/>
+            </a:pPr>
+            <a:r>
+              <a:rPr lang="en-US" sz="1400" b="1" dirty="0">
+                <a:solidFill>
+                  <a:srgbClr val="22C55E"/>
+                </a:solidFill>
+                <a:latin typeface="Arial" pitchFamily="34" charset="0"/>
+                <a:ea typeface="Arial" pitchFamily="34" charset="-122"/>
+                <a:cs typeface="Arial" pitchFamily="34" charset="-120"/>
+              </a:rPr>
+              <a:t>Educa com Talento</a:t>
+            </a:r>
+            <a:endParaRPr lang="en-US" sz="1400" dirty="0"/>
+          </a:p>
+        </p:txBody>
+      </p:sp>
+      <p:sp>
+        <p:nvSpPr>
+          <p:cNvPr id="12" name="Text 10"/>
+          <p:cNvSpPr/>
+          <p:nvPr/>
+        </p:nvSpPr>
+        <p:spPr>
+          <a:xfrm>
+            <a:off x="457200" y="4251960"/>
+            <a:ext cx="3657600" cy="228600"/>
+          </a:xfrm>
+          <a:prstGeom prst="rect">
+            <a:avLst/>
+          </a:prstGeom>
+          <a:noFill/>
+          <a:ln/>
+        </p:spPr>
+        <p:txBody>
+          <a:bodyPr wrap="square" rtlCol="0" anchor="ctr"/>
+          <a:lstStyle/>
+          <a:p>
+            <a:pPr indent="0" marL="0">
+              <a:buNone/>
+            </a:pPr>
+            <a:r>
+              <a:rPr lang="en-US" sz="1000" dirty="0">
+                <a:solidFill>
+                  <a:srgbClr val="667EEA"/>
+                </a:solidFill>
+                <a:latin typeface="Arial" pitchFamily="34" charset="0"/>
+                <a:ea typeface="Arial" pitchFamily="34" charset="-122"/>
+                <a:cs typeface="Arial" pitchFamily="34" charset="-120"/>
+              </a:rPr>
+              <a:t>www.educacomtalento.com.br</a:t>
+            </a:r>
+            <a:endParaRPr lang="en-US" sz="1000" dirty="0"/>
+          </a:p>
+        </p:txBody>
+      </p:sp>
+      <p:pic>
+        <p:nvPicPr>
+          <p:cNvPr id="14" name="Image 0" descr="preencoded.png">    </p:cNvPr>
+          <p:cNvPicPr>
+            <a:picLocks noChangeAspect="1"/>
+          </p:cNvPicPr>
+          <p:nvPr/>
+        </p:nvPicPr>
+        <p:blipFill>
+          <a:blip r:embed="rId1"/>
+          <a:stretch>
+            <a:fillRect/>
+          </a:stretch>
+        </p:blipFill>
+        <p:spPr>
+          <a:xfrm>
+            <a:off x="6400800" y="3886200"/>
+            <a:ext cx="2286000" cy="914400"/>
           </a:xfrm>
           <a:prstGeom prst="rect">
             <a:avLst/>
@@ -2138,375 +2716,6 @@
         </p:nvSpPr>
         <p:spPr>
           <a:xfrm>
-            <a:off x="457200" y="1097280"/>
-            <a:ext cx="8229600" cy="822960"/>
-          </a:xfrm>
-          <a:prstGeom prst="roundRect">
-            <a:avLst/>
-          </a:prstGeom>
-          <a:solidFill>
-            <a:srgbClr val="2A2A4A"/>
-          </a:solidFill>
-          <a:ln w="25400">
-            <a:solidFill>
-              <a:srgbClr val="667EEA"/>
-            </a:solidFill>
-            <a:prstDash val="solid"/>
-          </a:ln>
-        </p:spPr>
-      </p:sp>
-      <p:sp>
-        <p:nvSpPr>
-          <p:cNvPr id="5" name="Shape 3"/>
-          <p:cNvSpPr/>
-          <p:nvPr/>
-        </p:nvSpPr>
-        <p:spPr>
-          <a:xfrm>
-            <a:off x="640080" y="1234440"/>
-            <a:ext cx="548640" cy="548640"/>
-          </a:xfrm>
-          <a:prstGeom prst="ellipse">
-            <a:avLst/>
-          </a:prstGeom>
-          <a:solidFill>
-            <a:srgbClr val="667EEA"/>
-          </a:solidFill>
-          <a:ln/>
-        </p:spPr>
-      </p:sp>
-      <p:sp>
-        <p:nvSpPr>
-          <p:cNvPr id="6" name="Text 4"/>
-          <p:cNvSpPr/>
-          <p:nvPr/>
-        </p:nvSpPr>
-        <p:spPr>
-          <a:xfrm>
-            <a:off x="640080" y="1325880"/>
-            <a:ext cx="548640" cy="365760"/>
-          </a:xfrm>
-          <a:prstGeom prst="rect">
-            <a:avLst/>
-          </a:prstGeom>
-          <a:noFill/>
-          <a:ln/>
-        </p:spPr>
-        <p:txBody>
-          <a:bodyPr wrap="square" rtlCol="0" anchor="ctr"/>
-          <a:lstStyle/>
-          <a:p>
-            <a:pPr algn="ctr" indent="0" marL="0">
-              <a:buNone/>
-            </a:pPr>
-            <a:r>
-              <a:rPr lang="en-US" sz="1800" b="1" dirty="0">
-                <a:solidFill>
-                  <a:srgbClr val="FFFFFF"/>
-                </a:solidFill>
-                <a:latin typeface="Arial" pitchFamily="34" charset="0"/>
-                <a:ea typeface="Arial" pitchFamily="34" charset="-122"/>
-                <a:cs typeface="Arial" pitchFamily="34" charset="-120"/>
-              </a:rPr>
-              <a:t>1</a:t>
-            </a:r>
-            <a:endParaRPr lang="en-US" sz="1800" dirty="0"/>
-          </a:p>
-        </p:txBody>
-      </p:sp>
-      <p:sp>
-        <p:nvSpPr>
-          <p:cNvPr id="7" name="Text 5"/>
-          <p:cNvSpPr/>
-          <p:nvPr/>
-        </p:nvSpPr>
-        <p:spPr>
-          <a:xfrm>
-            <a:off x="1371600" y="1325880"/>
-            <a:ext cx="7132320" cy="457200"/>
-          </a:xfrm>
-          <a:prstGeom prst="rect">
-            <a:avLst/>
-          </a:prstGeom>
-          <a:noFill/>
-          <a:ln/>
-        </p:spPr>
-        <p:txBody>
-          <a:bodyPr wrap="square" rtlCol="0" anchor="ctr"/>
-          <a:lstStyle/>
-          <a:p>
-            <a:pPr indent="0" marL="0">
-              <a:buNone/>
-            </a:pPr>
-            <a:r>
-              <a:rPr lang="en-US" sz="1600" dirty="0">
-                <a:solidFill>
-                  <a:srgbClr val="FFFFFF"/>
-                </a:solidFill>
-                <a:latin typeface="Arial" pitchFamily="34" charset="0"/>
-                <a:ea typeface="Arial" pitchFamily="34" charset="-122"/>
-                <a:cs typeface="Arial" pitchFamily="34" charset="-120"/>
-              </a:rPr>
-              <a:t>Criar sistema de equilíbrio estável</a:t>
-            </a:r>
-            <a:endParaRPr lang="en-US" sz="1600" dirty="0"/>
-          </a:p>
-        </p:txBody>
-      </p:sp>
-      <p:sp>
-        <p:nvSpPr>
-          <p:cNvPr id="8" name="Shape 6"/>
-          <p:cNvSpPr/>
-          <p:nvPr/>
-        </p:nvSpPr>
-        <p:spPr>
-          <a:xfrm>
-            <a:off x="457200" y="2103120"/>
-            <a:ext cx="8229600" cy="822960"/>
-          </a:xfrm>
-          <a:prstGeom prst="roundRect">
-            <a:avLst/>
-          </a:prstGeom>
-          <a:solidFill>
-            <a:srgbClr val="2A2A4A"/>
-          </a:solidFill>
-          <a:ln w="25400">
-            <a:solidFill>
-              <a:srgbClr val="22C55E"/>
-            </a:solidFill>
-            <a:prstDash val="solid"/>
-          </a:ln>
-        </p:spPr>
-      </p:sp>
-      <p:sp>
-        <p:nvSpPr>
-          <p:cNvPr id="9" name="Shape 7"/>
-          <p:cNvSpPr/>
-          <p:nvPr/>
-        </p:nvSpPr>
-        <p:spPr>
-          <a:xfrm>
-            <a:off x="640080" y="2240280"/>
-            <a:ext cx="548640" cy="548640"/>
-          </a:xfrm>
-          <a:prstGeom prst="ellipse">
-            <a:avLst/>
-          </a:prstGeom>
-          <a:solidFill>
-            <a:srgbClr val="22C55E"/>
-          </a:solidFill>
-          <a:ln/>
-        </p:spPr>
-      </p:sp>
-      <p:sp>
-        <p:nvSpPr>
-          <p:cNvPr id="10" name="Text 8"/>
-          <p:cNvSpPr/>
-          <p:nvPr/>
-        </p:nvSpPr>
-        <p:spPr>
-          <a:xfrm>
-            <a:off x="640080" y="2331720"/>
-            <a:ext cx="548640" cy="365760"/>
-          </a:xfrm>
-          <a:prstGeom prst="rect">
-            <a:avLst/>
-          </a:prstGeom>
-          <a:noFill/>
-          <a:ln/>
-        </p:spPr>
-        <p:txBody>
-          <a:bodyPr wrap="square" rtlCol="0" anchor="ctr"/>
-          <a:lstStyle/>
-          <a:p>
-            <a:pPr algn="ctr" indent="0" marL="0">
-              <a:buNone/>
-            </a:pPr>
-            <a:r>
-              <a:rPr lang="en-US" sz="1800" b="1" dirty="0">
-                <a:solidFill>
-                  <a:srgbClr val="FFFFFF"/>
-                </a:solidFill>
-                <a:latin typeface="Arial" pitchFamily="34" charset="0"/>
-                <a:ea typeface="Arial" pitchFamily="34" charset="-122"/>
-                <a:cs typeface="Arial" pitchFamily="34" charset="-120"/>
-              </a:rPr>
-              <a:t>2</a:t>
-            </a:r>
-            <a:endParaRPr lang="en-US" sz="1800" dirty="0"/>
-          </a:p>
-        </p:txBody>
-      </p:sp>
-      <p:sp>
-        <p:nvSpPr>
-          <p:cNvPr id="11" name="Text 9"/>
-          <p:cNvSpPr/>
-          <p:nvPr/>
-        </p:nvSpPr>
-        <p:spPr>
-          <a:xfrm>
-            <a:off x="1371600" y="2331720"/>
-            <a:ext cx="7132320" cy="457200"/>
-          </a:xfrm>
-          <a:prstGeom prst="rect">
-            <a:avLst/>
-          </a:prstGeom>
-          <a:noFill/>
-          <a:ln/>
-        </p:spPr>
-        <p:txBody>
-          <a:bodyPr wrap="square" rtlCol="0" anchor="ctr"/>
-          <a:lstStyle/>
-          <a:p>
-            <a:pPr indent="0" marL="0">
-              <a:buNone/>
-            </a:pPr>
-            <a:r>
-              <a:rPr lang="en-US" sz="1600" dirty="0">
-                <a:solidFill>
-                  <a:srgbClr val="FFFFFF"/>
-                </a:solidFill>
-                <a:latin typeface="Arial" pitchFamily="34" charset="0"/>
-                <a:ea typeface="Arial" pitchFamily="34" charset="-122"/>
-                <a:cs typeface="Arial" pitchFamily="34" charset="-120"/>
-              </a:rPr>
-              <a:t>Identificar as 3 camadas de distração</a:t>
-            </a:r>
-            <a:endParaRPr lang="en-US" sz="1600" dirty="0"/>
-          </a:p>
-        </p:txBody>
-      </p:sp>
-      <p:sp>
-        <p:nvSpPr>
-          <p:cNvPr id="12" name="Shape 10"/>
-          <p:cNvSpPr/>
-          <p:nvPr/>
-        </p:nvSpPr>
-        <p:spPr>
-          <a:xfrm>
-            <a:off x="457200" y="3108960"/>
-            <a:ext cx="8229600" cy="822960"/>
-          </a:xfrm>
-          <a:prstGeom prst="roundRect">
-            <a:avLst/>
-          </a:prstGeom>
-          <a:solidFill>
-            <a:srgbClr val="2A2A4A"/>
-          </a:solidFill>
-          <a:ln w="25400">
-            <a:solidFill>
-              <a:srgbClr val="3B82F6"/>
-            </a:solidFill>
-            <a:prstDash val="solid"/>
-          </a:ln>
-        </p:spPr>
-      </p:sp>
-      <p:sp>
-        <p:nvSpPr>
-          <p:cNvPr id="13" name="Shape 11"/>
-          <p:cNvSpPr/>
-          <p:nvPr/>
-        </p:nvSpPr>
-        <p:spPr>
-          <a:xfrm>
-            <a:off x="640080" y="3246120"/>
-            <a:ext cx="548640" cy="548640"/>
-          </a:xfrm>
-          <a:prstGeom prst="ellipse">
-            <a:avLst/>
-          </a:prstGeom>
-          <a:solidFill>
-            <a:srgbClr val="3B82F6"/>
-          </a:solidFill>
-          <a:ln/>
-        </p:spPr>
-      </p:sp>
-      <p:sp>
-        <p:nvSpPr>
-          <p:cNvPr id="14" name="Text 12"/>
-          <p:cNvSpPr/>
-          <p:nvPr/>
-        </p:nvSpPr>
-        <p:spPr>
-          <a:xfrm>
-            <a:off x="640080" y="3337560"/>
-            <a:ext cx="548640" cy="365760"/>
-          </a:xfrm>
-          <a:prstGeom prst="rect">
-            <a:avLst/>
-          </a:prstGeom>
-          <a:noFill/>
-          <a:ln/>
-        </p:spPr>
-        <p:txBody>
-          <a:bodyPr wrap="square" rtlCol="0" anchor="ctr"/>
-          <a:lstStyle/>
-          <a:p>
-            <a:pPr algn="ctr" indent="0" marL="0">
-              <a:buNone/>
-            </a:pPr>
-            <a:r>
-              <a:rPr lang="en-US" sz="1800" b="1" dirty="0">
-                <a:solidFill>
-                  <a:srgbClr val="FFFFFF"/>
-                </a:solidFill>
-                <a:latin typeface="Arial" pitchFamily="34" charset="0"/>
-                <a:ea typeface="Arial" pitchFamily="34" charset="-122"/>
-                <a:cs typeface="Arial" pitchFamily="34" charset="-120"/>
-              </a:rPr>
-              <a:t>3</a:t>
-            </a:r>
-            <a:endParaRPr lang="en-US" sz="1800" dirty="0"/>
-          </a:p>
-        </p:txBody>
-      </p:sp>
-      <p:sp>
-        <p:nvSpPr>
-          <p:cNvPr id="15" name="Text 13"/>
-          <p:cNvSpPr/>
-          <p:nvPr/>
-        </p:nvSpPr>
-        <p:spPr>
-          <a:xfrm>
-            <a:off x="1371600" y="3337560"/>
-            <a:ext cx="7132320" cy="457200"/>
-          </a:xfrm>
-          <a:prstGeom prst="rect">
-            <a:avLst/>
-          </a:prstGeom>
-          <a:noFill/>
-          <a:ln/>
-        </p:spPr>
-        <p:txBody>
-          <a:bodyPr wrap="square" rtlCol="0" anchor="ctr"/>
-          <a:lstStyle/>
-          <a:p>
-            <a:pPr indent="0" marL="0">
-              <a:buNone/>
-            </a:pPr>
-            <a:r>
-              <a:rPr lang="en-US" sz="1600" dirty="0">
-                <a:solidFill>
-                  <a:srgbClr val="FFFFFF"/>
-                </a:solidFill>
-                <a:latin typeface="Arial" pitchFamily="34" charset="0"/>
-                <a:ea typeface="Arial" pitchFamily="34" charset="-122"/>
-                <a:cs typeface="Arial" pitchFamily="34" charset="-120"/>
-              </a:rPr>
-              <a:t>Aplicar protocolos de eliminação</a:t>
-            </a:r>
-            <a:endParaRPr lang="en-US" sz="1600" dirty="0"/>
-          </a:p>
-        </p:txBody>
-      </p:sp>
-      <p:sp>
-        <p:nvSpPr>
-          <p:cNvPr id="16" name="Shape 14"/>
-          <p:cNvSpPr/>
-          <p:nvPr/>
-        </p:nvSpPr>
-        <p:spPr>
-          <a:xfrm>
             <a:off x="8869680" y="1097280"/>
             <a:ext cx="91440" cy="3017520"/>
           </a:xfrm>
@@ -2521,7 +2730,7 @@
       </p:sp>
       <p:pic>
         <p:nvPicPr>
-          <p:cNvPr id="17" name="Image 0" descr="preencoded.png">    </p:cNvPr>
+          <p:cNvPr id="6" name="Image 0" descr="preencoded.png">    </p:cNvPr>
           <p:cNvPicPr>
             <a:picLocks noChangeAspect="1"/>
           </p:cNvPicPr>
@@ -2707,7 +2916,7 @@
                 <a:ea typeface="Arial" pitchFamily="34" charset="-122"/>
                 <a:cs typeface="Arial" pitchFamily="34" charset="-120"/>
               </a:rPr>
-              <a:t>Equilíbrio Estável</a:t>
+              <a:t>O que é Equilíbrio Estável</a:t>
             </a:r>
             <a:endParaRPr lang="en-US" sz="2000" dirty="0"/>
           </a:p>
@@ -2830,7 +3039,7 @@
                 <a:ea typeface="Arial" pitchFamily="34" charset="-122"/>
                 <a:cs typeface="Arial" pitchFamily="34" charset="-120"/>
               </a:rPr>
-              <a:t>Bola na tigela vs. no topo</a:t>
+              <a:t>Definição do conceito</a:t>
             </a:r>
             <a:endParaRPr lang="en-US" sz="1400" dirty="0"/>
           </a:p>
@@ -2953,7 +3162,7 @@
                 <a:ea typeface="Arial" pitchFamily="34" charset="-122"/>
                 <a:cs typeface="Arial" pitchFamily="34" charset="-120"/>
               </a:rPr>
-              <a:t>Focar = caminho de menor resistência</a:t>
+              <a:t>Por que extremos não funcionam</a:t>
             </a:r>
             <a:endParaRPr lang="en-US" sz="1400" dirty="0"/>
           </a:p>
@@ -3076,7 +3285,7 @@
                 <a:ea typeface="Arial" pitchFamily="34" charset="-122"/>
                 <a:cs typeface="Arial" pitchFamily="34" charset="-120"/>
               </a:rPr>
-              <a:t>Sistema que se mantém sozinho</a:t>
+              <a:t>O sistema que se mantém sozinho</a:t>
             </a:r>
             <a:endParaRPr lang="en-US" sz="1400" dirty="0"/>
           </a:p>
@@ -3099,37 +3308,7 @@
           <a:solidFill>
             <a:srgbClr val="667EEA"/>
           </a:solidFill>
-          <a:ln w="12700">
-            <a:solidFill>
-              <a:srgbClr val="000000"/>
-            </a:solidFill>
-            <a:prstDash val="solid"/>
-          </a:ln>
-        </p:spPr>
-      </p:sp>
-      <p:sp>
-        <p:nvSpPr>
-          <p:cNvPr id="20" name="Shape 18"/>
-          <p:cNvSpPr/>
-          <p:nvPr/>
-        </p:nvSpPr>
-        <p:spPr>
-          <a:xfrm>
-            <a:off x="8503920" y="4297680"/>
-            <a:ext cx="274320" cy="274320"/>
-          </a:xfrm>
-          <a:prstGeom prst="rect">
-            <a:avLst/>
-          </a:prstGeom>
-          <a:solidFill>
-            <a:srgbClr val="2A2A4A"/>
-          </a:solidFill>
-          <a:ln w="12700">
-            <a:solidFill>
-              <a:srgbClr val="667EEA"/>
-            </a:solidFill>
-            <a:prstDash val="solid"/>
-          </a:ln>
+          <a:ln/>
         </p:spPr>
       </p:sp>
       <p:pic>
@@ -3320,7 +3499,7 @@
                 <a:ea typeface="Arial" pitchFamily="34" charset="-122"/>
                 <a:cs typeface="Arial" pitchFamily="34" charset="-120"/>
               </a:rPr>
-              <a:t>3 Camadas de Distração</a:t>
+              <a:t>As três camadas de distrações</a:t>
             </a:r>
             <a:endParaRPr lang="en-US" sz="2000" dirty="0"/>
           </a:p>
@@ -3443,7 +3622,7 @@
                 <a:ea typeface="Arial" pitchFamily="34" charset="-122"/>
                 <a:cs typeface="Arial" pitchFamily="34" charset="-120"/>
               </a:rPr>
-              <a:t>Externas: ambiente físico</a:t>
+              <a:t>Distrações externas (ambiente)</a:t>
             </a:r>
             <a:endParaRPr lang="en-US" sz="1400" dirty="0"/>
           </a:p>
@@ -3566,7 +3745,7 @@
                 <a:ea typeface="Arial" pitchFamily="34" charset="-122"/>
                 <a:cs typeface="Arial" pitchFamily="34" charset="-120"/>
               </a:rPr>
-              <a:t>Internas: pensamentos invasivos</a:t>
+              <a:t>Distrações internas (pensamentos)</a:t>
             </a:r>
             <a:endParaRPr lang="en-US" sz="1400" dirty="0"/>
           </a:p>
@@ -3689,7 +3868,7 @@
                 <a:ea typeface="Arial" pitchFamily="34" charset="-122"/>
                 <a:cs typeface="Arial" pitchFamily="34" charset="-120"/>
               </a:rPr>
-              <a:t>Emocionais: sentimentos que drenam</a:t>
+              <a:t>Distrações emocionais (sentimentos)</a:t>
             </a:r>
             <a:endParaRPr lang="en-US" sz="1400" dirty="0"/>
           </a:p>
@@ -3712,37 +3891,7 @@
           <a:solidFill>
             <a:srgbClr val="22C55E"/>
           </a:solidFill>
-          <a:ln w="12700">
-            <a:solidFill>
-              <a:srgbClr val="000000"/>
-            </a:solidFill>
-            <a:prstDash val="solid"/>
-          </a:ln>
-        </p:spPr>
-      </p:sp>
-      <p:sp>
-        <p:nvSpPr>
-          <p:cNvPr id="20" name="Shape 18"/>
-          <p:cNvSpPr/>
-          <p:nvPr/>
-        </p:nvSpPr>
-        <p:spPr>
-          <a:xfrm>
-            <a:off x="8503920" y="4297680"/>
-            <a:ext cx="274320" cy="274320"/>
-          </a:xfrm>
-          <a:prstGeom prst="rect">
-            <a:avLst/>
-          </a:prstGeom>
-          <a:solidFill>
-            <a:srgbClr val="2A2A4A"/>
-          </a:solidFill>
-          <a:ln w="12700">
-            <a:solidFill>
-              <a:srgbClr val="22C55E"/>
-            </a:solidFill>
-            <a:prstDash val="solid"/>
-          </a:ln>
+          <a:ln/>
         </p:spPr>
       </p:sp>
       <p:pic>
@@ -3933,7 +4082,7 @@
                 <a:ea typeface="Arial" pitchFamily="34" charset="-122"/>
                 <a:cs typeface="Arial" pitchFamily="34" charset="-120"/>
               </a:rPr>
-              <a:t>Protocolos de Eliminação</a:t>
+              <a:t>Técnicas de eliminação para cada camada</a:t>
             </a:r>
             <a:endParaRPr lang="en-US" sz="2000" dirty="0"/>
           </a:p>
@@ -4056,7 +4205,7 @@
                 <a:ea typeface="Arial" pitchFamily="34" charset="-122"/>
                 <a:cs typeface="Arial" pitchFamily="34" charset="-120"/>
               </a:rPr>
-              <a:t>Lista de captura para pensamentos</a:t>
+              <a:t>Protocolo para distrações externas</a:t>
             </a:r>
             <a:endParaRPr lang="en-US" sz="1400" dirty="0"/>
           </a:p>
@@ -4179,7 +4328,7 @@
                 <a:ea typeface="Arial" pitchFamily="34" charset="-122"/>
                 <a:cs typeface="Arial" pitchFamily="34" charset="-120"/>
               </a:rPr>
-              <a:t>Técnica do "depois"</a:t>
+              <a:t>Protocolo para distrações internas</a:t>
             </a:r>
             <a:endParaRPr lang="en-US" sz="1400" dirty="0"/>
           </a:p>
@@ -4302,7 +4451,7 @@
                 <a:ea typeface="Arial" pitchFamily="34" charset="-122"/>
                 <a:cs typeface="Arial" pitchFamily="34" charset="-120"/>
               </a:rPr>
-              <a:t>Respiração para emoções</a:t>
+              <a:t>Protocolo para distrações emocionais</a:t>
             </a:r>
             <a:endParaRPr lang="en-US" sz="1400" dirty="0"/>
           </a:p>
@@ -4325,37 +4474,7 @@
           <a:solidFill>
             <a:srgbClr val="3B82F6"/>
           </a:solidFill>
-          <a:ln w="12700">
-            <a:solidFill>
-              <a:srgbClr val="000000"/>
-            </a:solidFill>
-            <a:prstDash val="solid"/>
-          </a:ln>
-        </p:spPr>
-      </p:sp>
-      <p:sp>
-        <p:nvSpPr>
-          <p:cNvPr id="20" name="Shape 18"/>
-          <p:cNvSpPr/>
-          <p:nvPr/>
-        </p:nvSpPr>
-        <p:spPr>
-          <a:xfrm>
-            <a:off x="8503920" y="4297680"/>
-            <a:ext cx="274320" cy="274320"/>
-          </a:xfrm>
-          <a:prstGeom prst="rect">
-            <a:avLst/>
-          </a:prstGeom>
-          <a:solidFill>
-            <a:srgbClr val="2A2A4A"/>
-          </a:solidFill>
-          <a:ln w="12700">
-            <a:solidFill>
-              <a:srgbClr val="3B82F6"/>
-            </a:solidFill>
-            <a:prstDash val="solid"/>
-          </a:ln>
+          <a:ln/>
         </p:spPr>
       </p:sp>
       <p:pic>
@@ -4546,7 +4665,7 @@
                 <a:ea typeface="Arial" pitchFamily="34" charset="-122"/>
                 <a:cs typeface="Arial" pitchFamily="34" charset="-120"/>
               </a:rPr>
-              <a:t>Sistema Sustentável</a:t>
+              <a:t>Criando seu sistema sustentável</a:t>
             </a:r>
             <a:endParaRPr lang="en-US" sz="2000" dirty="0"/>
           </a:p>
@@ -4669,7 +4788,7 @@
                 <a:ea typeface="Arial" pitchFamily="34" charset="-122"/>
                 <a:cs typeface="Arial" pitchFamily="34" charset="-120"/>
               </a:rPr>
-              <a:t>Rotina de preparação (5 min)</a:t>
+              <a:t>Elementos de um sistema de foco</a:t>
             </a:r>
             <a:endParaRPr lang="en-US" sz="1400" dirty="0"/>
           </a:p>
@@ -4792,7 +4911,7 @@
                 <a:ea typeface="Arial" pitchFamily="34" charset="-122"/>
                 <a:cs typeface="Arial" pitchFamily="34" charset="-120"/>
               </a:rPr>
-              <a:t>Ritual de entrada e saída</a:t>
+              <a:t>Rotina vs. Motivação</a:t>
             </a:r>
             <a:endParaRPr lang="en-US" sz="1400" dirty="0"/>
           </a:p>
@@ -4915,7 +5034,7 @@
                 <a:ea typeface="Arial" pitchFamily="34" charset="-122"/>
                 <a:cs typeface="Arial" pitchFamily="34" charset="-120"/>
               </a:rPr>
-              <a:t>Pausas reais sem telas</a:t>
+              <a:t>Ajustes e iteração</a:t>
             </a:r>
             <a:endParaRPr lang="en-US" sz="1400" dirty="0"/>
           </a:p>
@@ -4938,37 +5057,7 @@
           <a:solidFill>
             <a:srgbClr val="9333EA"/>
           </a:solidFill>
-          <a:ln w="12700">
-            <a:solidFill>
-              <a:srgbClr val="000000"/>
-            </a:solidFill>
-            <a:prstDash val="solid"/>
-          </a:ln>
-        </p:spPr>
-      </p:sp>
-      <p:sp>
-        <p:nvSpPr>
-          <p:cNvPr id="20" name="Shape 18"/>
-          <p:cNvSpPr/>
-          <p:nvPr/>
-        </p:nvSpPr>
-        <p:spPr>
-          <a:xfrm>
-            <a:off x="8503920" y="4297680"/>
-            <a:ext cx="274320" cy="274320"/>
-          </a:xfrm>
-          <a:prstGeom prst="rect">
-            <a:avLst/>
-          </a:prstGeom>
-          <a:solidFill>
-            <a:srgbClr val="2A2A4A"/>
-          </a:solidFill>
-          <a:ln w="12700">
-            <a:solidFill>
-              <a:srgbClr val="9333EA"/>
-            </a:solidFill>
-            <a:prstDash val="solid"/>
-          </a:ln>
+          <a:ln/>
         </p:spPr>
       </p:sp>
       <p:pic>
@@ -5126,501 +5215,9 @@
           <a:ln/>
         </p:spPr>
       </p:sp>
-      <p:sp>
-        <p:nvSpPr>
-          <p:cNvPr id="6" name="Shape 4"/>
-          <p:cNvSpPr/>
-          <p:nvPr/>
-        </p:nvSpPr>
-        <p:spPr>
-          <a:xfrm>
-            <a:off x="502920" y="1188720"/>
-            <a:ext cx="457200" cy="457200"/>
-          </a:xfrm>
-          <a:prstGeom prst="ellipse">
-            <a:avLst/>
-          </a:prstGeom>
-          <a:solidFill>
-            <a:srgbClr val="667EEA"/>
-          </a:solidFill>
-          <a:ln/>
-        </p:spPr>
-      </p:sp>
-      <p:sp>
-        <p:nvSpPr>
-          <p:cNvPr id="7" name="Text 5"/>
-          <p:cNvSpPr/>
-          <p:nvPr/>
-        </p:nvSpPr>
-        <p:spPr>
-          <a:xfrm>
-            <a:off x="502920" y="1234440"/>
-            <a:ext cx="457200" cy="365760"/>
-          </a:xfrm>
-          <a:prstGeom prst="rect">
-            <a:avLst/>
-          </a:prstGeom>
-          <a:noFill/>
-          <a:ln/>
-        </p:spPr>
-        <p:txBody>
-          <a:bodyPr wrap="square" rtlCol="0" anchor="ctr"/>
-          <a:lstStyle/>
-          <a:p>
-            <a:pPr algn="ctr" indent="0" marL="0">
-              <a:buNone/>
-            </a:pPr>
-            <a:r>
-              <a:rPr lang="en-US" sz="1600" b="1" dirty="0">
-                <a:solidFill>
-                  <a:srgbClr val="FFFFFF"/>
-                </a:solidFill>
-                <a:latin typeface="Arial" pitchFamily="34" charset="0"/>
-                <a:ea typeface="Arial" pitchFamily="34" charset="-122"/>
-                <a:cs typeface="Arial" pitchFamily="34" charset="-120"/>
-              </a:rPr>
-              <a:t>✓</a:t>
-            </a:r>
-            <a:endParaRPr lang="en-US" sz="1600" dirty="0"/>
-          </a:p>
-        </p:txBody>
-      </p:sp>
-      <p:sp>
-        <p:nvSpPr>
-          <p:cNvPr id="8" name="Shape 6"/>
-          <p:cNvSpPr/>
-          <p:nvPr/>
-        </p:nvSpPr>
-        <p:spPr>
-          <a:xfrm>
-            <a:off x="1188720" y="1097280"/>
-            <a:ext cx="7498080" cy="640080"/>
-          </a:xfrm>
-          <a:prstGeom prst="roundRect">
-            <a:avLst/>
-          </a:prstGeom>
-          <a:solidFill>
-            <a:srgbClr val="2A2A4A"/>
-          </a:solidFill>
-          <a:ln w="25400">
-            <a:solidFill>
-              <a:srgbClr val="667EEA"/>
-            </a:solidFill>
-            <a:prstDash val="solid"/>
-          </a:ln>
-        </p:spPr>
-      </p:sp>
-      <p:sp>
-        <p:nvSpPr>
-          <p:cNvPr id="9" name="Text 7"/>
-          <p:cNvSpPr/>
-          <p:nvPr/>
-        </p:nvSpPr>
-        <p:spPr>
-          <a:xfrm>
-            <a:off x="1371600" y="1234440"/>
-            <a:ext cx="7132320" cy="411480"/>
-          </a:xfrm>
-          <a:prstGeom prst="rect">
-            <a:avLst/>
-          </a:prstGeom>
-          <a:noFill/>
-          <a:ln/>
-        </p:spPr>
-        <p:txBody>
-          <a:bodyPr wrap="square" rtlCol="0" anchor="ctr"/>
-          <a:lstStyle/>
-          <a:p>
-            <a:pPr indent="0" marL="0">
-              <a:buNone/>
-            </a:pPr>
-            <a:r>
-              <a:rPr lang="en-US" sz="1400" dirty="0">
-                <a:solidFill>
-                  <a:srgbClr val="FFFFFF"/>
-                </a:solidFill>
-                <a:latin typeface="Arial" pitchFamily="34" charset="0"/>
-                <a:ea typeface="Arial" pitchFamily="34" charset="-122"/>
-                <a:cs typeface="Arial" pitchFamily="34" charset="-120"/>
-              </a:rPr>
-              <a:t>Equilíbrio estável = foco como estado padrão</a:t>
-            </a:r>
-            <a:endParaRPr lang="en-US" sz="1400" dirty="0"/>
-          </a:p>
-        </p:txBody>
-      </p:sp>
-      <p:sp>
-        <p:nvSpPr>
-          <p:cNvPr id="10" name="Shape 8"/>
-          <p:cNvSpPr/>
-          <p:nvPr/>
-        </p:nvSpPr>
-        <p:spPr>
-          <a:xfrm>
-            <a:off x="502920" y="2011680"/>
-            <a:ext cx="457200" cy="457200"/>
-          </a:xfrm>
-          <a:prstGeom prst="ellipse">
-            <a:avLst/>
-          </a:prstGeom>
-          <a:solidFill>
-            <a:srgbClr val="22C55E"/>
-          </a:solidFill>
-          <a:ln/>
-        </p:spPr>
-      </p:sp>
-      <p:sp>
-        <p:nvSpPr>
-          <p:cNvPr id="11" name="Text 9"/>
-          <p:cNvSpPr/>
-          <p:nvPr/>
-        </p:nvSpPr>
-        <p:spPr>
-          <a:xfrm>
-            <a:off x="502920" y="2057400"/>
-            <a:ext cx="457200" cy="365760"/>
-          </a:xfrm>
-          <a:prstGeom prst="rect">
-            <a:avLst/>
-          </a:prstGeom>
-          <a:noFill/>
-          <a:ln/>
-        </p:spPr>
-        <p:txBody>
-          <a:bodyPr wrap="square" rtlCol="0" anchor="ctr"/>
-          <a:lstStyle/>
-          <a:p>
-            <a:pPr algn="ctr" indent="0" marL="0">
-              <a:buNone/>
-            </a:pPr>
-            <a:r>
-              <a:rPr lang="en-US" sz="1600" b="1" dirty="0">
-                <a:solidFill>
-                  <a:srgbClr val="FFFFFF"/>
-                </a:solidFill>
-                <a:latin typeface="Arial" pitchFamily="34" charset="0"/>
-                <a:ea typeface="Arial" pitchFamily="34" charset="-122"/>
-                <a:cs typeface="Arial" pitchFamily="34" charset="-120"/>
-              </a:rPr>
-              <a:t>✓</a:t>
-            </a:r>
-            <a:endParaRPr lang="en-US" sz="1600" dirty="0"/>
-          </a:p>
-        </p:txBody>
-      </p:sp>
-      <p:sp>
-        <p:nvSpPr>
-          <p:cNvPr id="12" name="Shape 10"/>
-          <p:cNvSpPr/>
-          <p:nvPr/>
-        </p:nvSpPr>
-        <p:spPr>
-          <a:xfrm>
-            <a:off x="1188720" y="1920240"/>
-            <a:ext cx="7498080" cy="640080"/>
-          </a:xfrm>
-          <a:prstGeom prst="roundRect">
-            <a:avLst/>
-          </a:prstGeom>
-          <a:solidFill>
-            <a:srgbClr val="2A2A4A"/>
-          </a:solidFill>
-          <a:ln w="25400">
-            <a:solidFill>
-              <a:srgbClr val="22C55E"/>
-            </a:solidFill>
-            <a:prstDash val="solid"/>
-          </a:ln>
-        </p:spPr>
-      </p:sp>
-      <p:sp>
-        <p:nvSpPr>
-          <p:cNvPr id="13" name="Text 11"/>
-          <p:cNvSpPr/>
-          <p:nvPr/>
-        </p:nvSpPr>
-        <p:spPr>
-          <a:xfrm>
-            <a:off x="1371600" y="2057400"/>
-            <a:ext cx="7132320" cy="411480"/>
-          </a:xfrm>
-          <a:prstGeom prst="rect">
-            <a:avLst/>
-          </a:prstGeom>
-          <a:noFill/>
-          <a:ln/>
-        </p:spPr>
-        <p:txBody>
-          <a:bodyPr wrap="square" rtlCol="0" anchor="ctr"/>
-          <a:lstStyle/>
-          <a:p>
-            <a:pPr indent="0" marL="0">
-              <a:buNone/>
-            </a:pPr>
-            <a:r>
-              <a:rPr lang="en-US" sz="1400" dirty="0">
-                <a:solidFill>
-                  <a:srgbClr val="FFFFFF"/>
-                </a:solidFill>
-                <a:latin typeface="Arial" pitchFamily="34" charset="0"/>
-                <a:ea typeface="Arial" pitchFamily="34" charset="-122"/>
-                <a:cs typeface="Arial" pitchFamily="34" charset="-120"/>
-              </a:rPr>
-              <a:t>Três camadas: externa, interna, emocional</a:t>
-            </a:r>
-            <a:endParaRPr lang="en-US" sz="1400" dirty="0"/>
-          </a:p>
-        </p:txBody>
-      </p:sp>
-      <p:sp>
-        <p:nvSpPr>
-          <p:cNvPr id="14" name="Shape 12"/>
-          <p:cNvSpPr/>
-          <p:nvPr/>
-        </p:nvSpPr>
-        <p:spPr>
-          <a:xfrm>
-            <a:off x="502920" y="2834640"/>
-            <a:ext cx="457200" cy="457200"/>
-          </a:xfrm>
-          <a:prstGeom prst="ellipse">
-            <a:avLst/>
-          </a:prstGeom>
-          <a:solidFill>
-            <a:srgbClr val="3B82F6"/>
-          </a:solidFill>
-          <a:ln/>
-        </p:spPr>
-      </p:sp>
-      <p:sp>
-        <p:nvSpPr>
-          <p:cNvPr id="15" name="Text 13"/>
-          <p:cNvSpPr/>
-          <p:nvPr/>
-        </p:nvSpPr>
-        <p:spPr>
-          <a:xfrm>
-            <a:off x="502920" y="2880360"/>
-            <a:ext cx="457200" cy="365760"/>
-          </a:xfrm>
-          <a:prstGeom prst="rect">
-            <a:avLst/>
-          </a:prstGeom>
-          <a:noFill/>
-          <a:ln/>
-        </p:spPr>
-        <p:txBody>
-          <a:bodyPr wrap="square" rtlCol="0" anchor="ctr"/>
-          <a:lstStyle/>
-          <a:p>
-            <a:pPr algn="ctr" indent="0" marL="0">
-              <a:buNone/>
-            </a:pPr>
-            <a:r>
-              <a:rPr lang="en-US" sz="1600" b="1" dirty="0">
-                <a:solidFill>
-                  <a:srgbClr val="FFFFFF"/>
-                </a:solidFill>
-                <a:latin typeface="Arial" pitchFamily="34" charset="0"/>
-                <a:ea typeface="Arial" pitchFamily="34" charset="-122"/>
-                <a:cs typeface="Arial" pitchFamily="34" charset="-120"/>
-              </a:rPr>
-              <a:t>✓</a:t>
-            </a:r>
-            <a:endParaRPr lang="en-US" sz="1600" dirty="0"/>
-          </a:p>
-        </p:txBody>
-      </p:sp>
-      <p:sp>
-        <p:nvSpPr>
-          <p:cNvPr id="16" name="Shape 14"/>
-          <p:cNvSpPr/>
-          <p:nvPr/>
-        </p:nvSpPr>
-        <p:spPr>
-          <a:xfrm>
-            <a:off x="1188720" y="2743200"/>
-            <a:ext cx="7498080" cy="640080"/>
-          </a:xfrm>
-          <a:prstGeom prst="roundRect">
-            <a:avLst/>
-          </a:prstGeom>
-          <a:solidFill>
-            <a:srgbClr val="2A2A4A"/>
-          </a:solidFill>
-          <a:ln w="25400">
-            <a:solidFill>
-              <a:srgbClr val="3B82F6"/>
-            </a:solidFill>
-            <a:prstDash val="solid"/>
-          </a:ln>
-        </p:spPr>
-      </p:sp>
-      <p:sp>
-        <p:nvSpPr>
-          <p:cNvPr id="17" name="Text 15"/>
-          <p:cNvSpPr/>
-          <p:nvPr/>
-        </p:nvSpPr>
-        <p:spPr>
-          <a:xfrm>
-            <a:off x="1371600" y="2880360"/>
-            <a:ext cx="7132320" cy="411480"/>
-          </a:xfrm>
-          <a:prstGeom prst="rect">
-            <a:avLst/>
-          </a:prstGeom>
-          <a:noFill/>
-          <a:ln/>
-        </p:spPr>
-        <p:txBody>
-          <a:bodyPr wrap="square" rtlCol="0" anchor="ctr"/>
-          <a:lstStyle/>
-          <a:p>
-            <a:pPr indent="0" marL="0">
-              <a:buNone/>
-            </a:pPr>
-            <a:r>
-              <a:rPr lang="en-US" sz="1400" dirty="0">
-                <a:solidFill>
-                  <a:srgbClr val="FFFFFF"/>
-                </a:solidFill>
-                <a:latin typeface="Arial" pitchFamily="34" charset="0"/>
-                <a:ea typeface="Arial" pitchFamily="34" charset="-122"/>
-                <a:cs typeface="Arial" pitchFamily="34" charset="-120"/>
-              </a:rPr>
-              <a:t>Cada camada tem seu protocolo específico</a:t>
-            </a:r>
-            <a:endParaRPr lang="en-US" sz="1400" dirty="0"/>
-          </a:p>
-        </p:txBody>
-      </p:sp>
-      <p:sp>
-        <p:nvSpPr>
-          <p:cNvPr id="18" name="Shape 16"/>
-          <p:cNvSpPr/>
-          <p:nvPr/>
-        </p:nvSpPr>
-        <p:spPr>
-          <a:xfrm>
-            <a:off x="502920" y="3657600"/>
-            <a:ext cx="457200" cy="457200"/>
-          </a:xfrm>
-          <a:prstGeom prst="ellipse">
-            <a:avLst/>
-          </a:prstGeom>
-          <a:solidFill>
-            <a:srgbClr val="9333EA"/>
-          </a:solidFill>
-          <a:ln/>
-        </p:spPr>
-      </p:sp>
-      <p:sp>
-        <p:nvSpPr>
-          <p:cNvPr id="19" name="Text 17"/>
-          <p:cNvSpPr/>
-          <p:nvPr/>
-        </p:nvSpPr>
-        <p:spPr>
-          <a:xfrm>
-            <a:off x="502920" y="3703320"/>
-            <a:ext cx="457200" cy="365760"/>
-          </a:xfrm>
-          <a:prstGeom prst="rect">
-            <a:avLst/>
-          </a:prstGeom>
-          <a:noFill/>
-          <a:ln/>
-        </p:spPr>
-        <p:txBody>
-          <a:bodyPr wrap="square" rtlCol="0" anchor="ctr"/>
-          <a:lstStyle/>
-          <a:p>
-            <a:pPr algn="ctr" indent="0" marL="0">
-              <a:buNone/>
-            </a:pPr>
-            <a:r>
-              <a:rPr lang="en-US" sz="1600" b="1" dirty="0">
-                <a:solidFill>
-                  <a:srgbClr val="FFFFFF"/>
-                </a:solidFill>
-                <a:latin typeface="Arial" pitchFamily="34" charset="0"/>
-                <a:ea typeface="Arial" pitchFamily="34" charset="-122"/>
-                <a:cs typeface="Arial" pitchFamily="34" charset="-120"/>
-              </a:rPr>
-              <a:t>✓</a:t>
-            </a:r>
-            <a:endParaRPr lang="en-US" sz="1600" dirty="0"/>
-          </a:p>
-        </p:txBody>
-      </p:sp>
-      <p:sp>
-        <p:nvSpPr>
-          <p:cNvPr id="20" name="Shape 18"/>
-          <p:cNvSpPr/>
-          <p:nvPr/>
-        </p:nvSpPr>
-        <p:spPr>
-          <a:xfrm>
-            <a:off x="1188720" y="3566160"/>
-            <a:ext cx="7498080" cy="640080"/>
-          </a:xfrm>
-          <a:prstGeom prst="roundRect">
-            <a:avLst/>
-          </a:prstGeom>
-          <a:solidFill>
-            <a:srgbClr val="2A2A4A"/>
-          </a:solidFill>
-          <a:ln w="25400">
-            <a:solidFill>
-              <a:srgbClr val="9333EA"/>
-            </a:solidFill>
-            <a:prstDash val="solid"/>
-          </a:ln>
-        </p:spPr>
-      </p:sp>
-      <p:sp>
-        <p:nvSpPr>
-          <p:cNvPr id="21" name="Text 19"/>
-          <p:cNvSpPr/>
-          <p:nvPr/>
-        </p:nvSpPr>
-        <p:spPr>
-          <a:xfrm>
-            <a:off x="1371600" y="3703320"/>
-            <a:ext cx="7132320" cy="411480"/>
-          </a:xfrm>
-          <a:prstGeom prst="rect">
-            <a:avLst/>
-          </a:prstGeom>
-          <a:noFill/>
-          <a:ln/>
-        </p:spPr>
-        <p:txBody>
-          <a:bodyPr wrap="square" rtlCol="0" anchor="ctr"/>
-          <a:lstStyle/>
-          <a:p>
-            <a:pPr indent="0" marL="0">
-              <a:buNone/>
-            </a:pPr>
-            <a:r>
-              <a:rPr lang="en-US" sz="1400" dirty="0">
-                <a:solidFill>
-                  <a:srgbClr val="FFFFFF"/>
-                </a:solidFill>
-                <a:latin typeface="Arial" pitchFamily="34" charset="0"/>
-                <a:ea typeface="Arial" pitchFamily="34" charset="-122"/>
-                <a:cs typeface="Arial" pitchFamily="34" charset="-120"/>
-              </a:rPr>
-              <a:t>Sistema = rotina + rituais + pausas reais</a:t>
-            </a:r>
-            <a:endParaRPr lang="en-US" sz="1400" dirty="0"/>
-          </a:p>
-        </p:txBody>
-      </p:sp>
       <p:pic>
         <p:nvPicPr>
-          <p:cNvPr id="22" name="Image 0" descr="preencoded.png">    </p:cNvPr>
+          <p:cNvPr id="7" name="Image 0" descr="preencoded.png">    </p:cNvPr>
           <p:cNvPicPr>
             <a:picLocks noChangeAspect="1"/>
           </p:cNvPicPr>
@@ -5727,106 +5324,46 @@
                 <a:ea typeface="Arial" pitchFamily="34" charset="-122"/>
                 <a:cs typeface="Arial" pitchFamily="34" charset="-120"/>
               </a:rPr>
-              <a:t>📝 Atividade Prática</a:t>
+              <a:t>📊 Infográfico da Aula</a:t>
             </a:r>
             <a:endParaRPr lang="en-US" sz="2000" dirty="0"/>
           </a:p>
         </p:txBody>
       </p:sp>
-      <p:sp>
-        <p:nvSpPr>
-          <p:cNvPr id="4" name="Shape 2"/>
-          <p:cNvSpPr/>
-          <p:nvPr/>
-        </p:nvSpPr>
-        <p:spPr>
-          <a:xfrm>
-            <a:off x="457200" y="1005840"/>
-            <a:ext cx="8229600" cy="2560320"/>
-          </a:xfrm>
-          <a:prstGeom prst="roundRect">
-            <a:avLst/>
-          </a:prstGeom>
-          <a:solidFill>
-            <a:srgbClr val="2A2A4A"/>
-          </a:solidFill>
-          <a:ln w="38100">
-            <a:solidFill>
-              <a:srgbClr val="22C55E"/>
-            </a:solidFill>
-            <a:prstDash val="solid"/>
-          </a:ln>
-        </p:spPr>
-      </p:sp>
-      <p:sp>
-        <p:nvSpPr>
-          <p:cNvPr id="5" name="Shape 3"/>
-          <p:cNvSpPr/>
-          <p:nvPr/>
-        </p:nvSpPr>
-        <p:spPr>
-          <a:xfrm>
-            <a:off x="731520" y="1280160"/>
-            <a:ext cx="731520" cy="731520"/>
-          </a:xfrm>
-          <a:prstGeom prst="ellipse">
-            <a:avLst/>
-          </a:prstGeom>
-          <a:solidFill>
-            <a:srgbClr val="22C55E"/>
-          </a:solidFill>
-          <a:ln/>
-        </p:spPr>
-      </p:sp>
-      <p:sp>
-        <p:nvSpPr>
-          <p:cNvPr id="6" name="Text 4"/>
-          <p:cNvSpPr/>
-          <p:nvPr/>
-        </p:nvSpPr>
-        <p:spPr>
-          <a:xfrm>
-            <a:off x="731520" y="1371600"/>
-            <a:ext cx="731520" cy="548640"/>
-          </a:xfrm>
-          <a:prstGeom prst="rect">
-            <a:avLst/>
-          </a:prstGeom>
-          <a:noFill/>
-          <a:ln/>
-        </p:spPr>
-        <p:txBody>
-          <a:bodyPr wrap="square" rtlCol="0" anchor="ctr"/>
-          <a:lstStyle/>
-          <a:p>
-            <a:pPr algn="ctr" indent="0" marL="0">
-              <a:buNone/>
-            </a:pPr>
-            <a:r>
-              <a:rPr lang="en-US" sz="2800" b="1" dirty="0">
-                <a:solidFill>
-                  <a:srgbClr val="FFFFFF"/>
-                </a:solidFill>
-                <a:latin typeface="Arial" pitchFamily="34" charset="0"/>
-                <a:ea typeface="Arial" pitchFamily="34" charset="-122"/>
-                <a:cs typeface="Arial" pitchFamily="34" charset="-120"/>
-              </a:rPr>
-              <a:t>!</a:t>
-            </a:r>
-            <a:endParaRPr lang="en-US" sz="2800" dirty="0"/>
-          </a:p>
-        </p:txBody>
-      </p:sp>
-      <p:sp>
-        <p:nvSpPr>
-          <p:cNvPr id="7" name="Text 5"/>
-          <p:cNvSpPr/>
-          <p:nvPr/>
-        </p:nvSpPr>
-        <p:spPr>
-          <a:xfrm>
-            <a:off x="1645920" y="1280160"/>
-            <a:ext cx="6858000" cy="457200"/>
+      <p:pic>
+        <p:nvPicPr>
+          <p:cNvPr id="4" name="Image 0" descr="preencoded.png">    </p:cNvPr>
+          <p:cNvPicPr>
+            <a:picLocks noChangeAspect="1"/>
+          </p:cNvPicPr>
+          <p:nvPr/>
+        </p:nvPicPr>
+        <p:blipFill>
+          <a:blip r:embed="rId1"/>
+          <a:stretch>
+            <a:fillRect/>
+          </a:stretch>
+        </p:blipFill>
+        <p:spPr>
+          <a:xfrm>
+            <a:off x="274320" y="914400"/>
+            <a:ext cx="5486400" cy="3383280"/>
+          </a:xfrm>
+          <a:prstGeom prst="rect">
+            <a:avLst/>
+          </a:prstGeom>
+        </p:spPr>
+      </p:pic>
+      <p:sp>
+        <p:nvSpPr>
+          <p:cNvPr id="5" name="Text 2"/>
+          <p:cNvSpPr/>
+          <p:nvPr/>
+        </p:nvSpPr>
+        <p:spPr>
+          <a:xfrm>
+            <a:off x="5943600" y="914400"/>
+            <a:ext cx="3017520" cy="365760"/>
           </a:xfrm>
           <a:prstGeom prst="rect">
             <a:avLst/>
@@ -5842,7 +5379,7 @@
               <a:buNone/>
             </a:pPr>
             <a:r>
-              <a:rPr lang="en-US" sz="1600" b="1" dirty="0">
+              <a:rPr lang="en-US" sz="1200" b="1" dirty="0">
                 <a:solidFill>
                   <a:srgbClr val="22C55E"/>
                 </a:solidFill>
@@ -5850,216 +5387,22 @@
                 <a:ea typeface="Arial" pitchFamily="34" charset="-122"/>
                 <a:cs typeface="Arial" pitchFamily="34" charset="-120"/>
               </a:rPr>
-              <a:t>Sua Missão:</a:t>
-            </a:r>
-            <a:endParaRPr lang="en-US" sz="1600" dirty="0"/>
-          </a:p>
-        </p:txBody>
-      </p:sp>
-      <p:sp>
-        <p:nvSpPr>
-          <p:cNvPr id="8" name="Text 6"/>
-          <p:cNvSpPr/>
-          <p:nvPr/>
-        </p:nvSpPr>
-        <p:spPr>
-          <a:xfrm>
-            <a:off x="1645920" y="1737360"/>
-            <a:ext cx="6766560" cy="1645920"/>
-          </a:xfrm>
-          <a:prstGeom prst="rect">
-            <a:avLst/>
-          </a:prstGeom>
-          <a:noFill/>
-          <a:ln/>
-        </p:spPr>
-        <p:txBody>
-          <a:bodyPr wrap="square" rtlCol="0" anchor="t"/>
-          <a:lstStyle/>
-          <a:p>
-            <a:pPr indent="0" marL="0">
-              <a:buNone/>
-            </a:pPr>
-            <a:r>
-              <a:rPr lang="en-US" sz="1400" dirty="0">
-                <a:solidFill>
-                  <a:srgbClr val="FFFFFF"/>
-                </a:solidFill>
-                <a:latin typeface="Arial" pitchFamily="34" charset="0"/>
-                <a:ea typeface="Arial" pitchFamily="34" charset="-122"/>
-                <a:cs typeface="Arial" pitchFamily="34" charset="-120"/>
-              </a:rPr>
-              <a:t>Desenhando Meu Sistema de Foco:</a:t>
-            </a:r>
-            <a:endParaRPr lang="en-US" sz="1400" dirty="0"/>
-          </a:p>
-          <a:p>
-            <a:pPr indent="0" marL="0">
-              <a:buNone/>
-            </a:pPr>
-            <a:endParaRPr lang="en-US" sz="1400" dirty="0"/>
-          </a:p>
-          <a:p>
-            <a:pPr indent="0" marL="0">
-              <a:buNone/>
-            </a:pPr>
-            <a:r>
-              <a:rPr lang="en-US" sz="1400" dirty="0">
-                <a:solidFill>
-                  <a:srgbClr val="FFFFFF"/>
-                </a:solidFill>
-                <a:latin typeface="Arial" pitchFamily="34" charset="0"/>
-                <a:ea typeface="Arial" pitchFamily="34" charset="-122"/>
-                <a:cs typeface="Arial" pitchFamily="34" charset="-120"/>
-              </a:rPr>
-              <a:t>1. Liste 5 distrações de cada camada</a:t>
-            </a:r>
-            <a:endParaRPr lang="en-US" sz="1400" dirty="0"/>
-          </a:p>
-          <a:p>
-            <a:pPr indent="0" marL="0">
-              <a:buNone/>
-            </a:pPr>
-            <a:r>
-              <a:rPr lang="en-US" sz="1400" dirty="0">
-                <a:solidFill>
-                  <a:srgbClr val="FFFFFF"/>
-                </a:solidFill>
-                <a:latin typeface="Arial" pitchFamily="34" charset="0"/>
-                <a:ea typeface="Arial" pitchFamily="34" charset="-122"/>
-                <a:cs typeface="Arial" pitchFamily="34" charset="-120"/>
-              </a:rPr>
-              <a:t>2. Crie protocolo para cada uma</a:t>
-            </a:r>
-            <a:endParaRPr lang="en-US" sz="1400" dirty="0"/>
-          </a:p>
-          <a:p>
-            <a:pPr indent="0" marL="0">
-              <a:buNone/>
-            </a:pPr>
-            <a:r>
-              <a:rPr lang="en-US" sz="1400" dirty="0">
-                <a:solidFill>
-                  <a:srgbClr val="FFFFFF"/>
-                </a:solidFill>
-                <a:latin typeface="Arial" pitchFamily="34" charset="0"/>
-                <a:ea typeface="Arial" pitchFamily="34" charset="-122"/>
-                <a:cs typeface="Arial" pitchFamily="34" charset="-120"/>
-              </a:rPr>
-              <a:t>3. Defina sua rotina de preparação</a:t>
-            </a:r>
-            <a:endParaRPr lang="en-US" sz="1400" dirty="0"/>
-          </a:p>
-          <a:p>
-            <a:pPr indent="0" marL="0">
-              <a:buNone/>
-            </a:pPr>
-            <a:r>
-              <a:rPr lang="en-US" sz="1400" dirty="0">
-                <a:solidFill>
-                  <a:srgbClr val="FFFFFF"/>
-                </a:solidFill>
-                <a:latin typeface="Arial" pitchFamily="34" charset="0"/>
-                <a:ea typeface="Arial" pitchFamily="34" charset="-122"/>
-                <a:cs typeface="Arial" pitchFamily="34" charset="-120"/>
-              </a:rPr>
-              <a:t>4. Teste o sistema por 3 dias</a:t>
-            </a:r>
-            <a:endParaRPr lang="en-US" sz="1400" dirty="0"/>
-          </a:p>
-          <a:p>
-            <a:pPr indent="0" marL="0">
-              <a:buNone/>
-            </a:pPr>
-            <a:r>
-              <a:rPr lang="en-US" sz="1400" dirty="0">
-                <a:solidFill>
-                  <a:srgbClr val="FFFFFF"/>
-                </a:solidFill>
-                <a:latin typeface="Arial" pitchFamily="34" charset="0"/>
-                <a:ea typeface="Arial" pitchFamily="34" charset="-122"/>
-                <a:cs typeface="Arial" pitchFamily="34" charset="-120"/>
-              </a:rPr>
-              <a:t>5. Ajuste o que não funcionou</a:t>
-            </a:r>
-            <a:endParaRPr lang="en-US" sz="1400" dirty="0"/>
-          </a:p>
-        </p:txBody>
-      </p:sp>
-      <p:sp>
-        <p:nvSpPr>
-          <p:cNvPr id="9" name="Shape 7"/>
-          <p:cNvSpPr/>
-          <p:nvPr/>
-        </p:nvSpPr>
-        <p:spPr>
-          <a:xfrm>
-            <a:off x="457200" y="3749040"/>
-            <a:ext cx="8229600" cy="640080"/>
-          </a:xfrm>
-          <a:prstGeom prst="roundRect">
-            <a:avLst/>
-          </a:prstGeom>
-          <a:solidFill>
-            <a:srgbClr val="1E3A5F"/>
-          </a:solidFill>
-          <a:ln w="12700">
-            <a:solidFill>
-              <a:srgbClr val="667EEA"/>
-            </a:solidFill>
-            <a:prstDash val="solid"/>
-          </a:ln>
-        </p:spPr>
-      </p:sp>
-      <p:sp>
-        <p:nvSpPr>
-          <p:cNvPr id="10" name="Text 8"/>
-          <p:cNvSpPr/>
-          <p:nvPr/>
-        </p:nvSpPr>
-        <p:spPr>
-          <a:xfrm>
-            <a:off x="457200" y="3886200"/>
-            <a:ext cx="8229600" cy="365760"/>
-          </a:xfrm>
-          <a:prstGeom prst="rect">
-            <a:avLst/>
-          </a:prstGeom>
-          <a:noFill/>
-          <a:ln/>
-        </p:spPr>
-        <p:txBody>
-          <a:bodyPr wrap="square" rtlCol="0" anchor="ctr"/>
-          <a:lstStyle/>
-          <a:p>
-            <a:pPr algn="ctr" indent="0" marL="0">
-              <a:buNone/>
-            </a:pPr>
-            <a:r>
-              <a:rPr lang="en-US" sz="1300" dirty="0">
-                <a:solidFill>
-                  <a:srgbClr val="FFFFFF"/>
-                </a:solidFill>
-                <a:latin typeface="Arial" pitchFamily="34" charset="0"/>
-                <a:ea typeface="Arial" pitchFamily="34" charset="-122"/>
-                <a:cs typeface="Arial" pitchFamily="34" charset="-120"/>
-              </a:rPr>
-              <a:t>📤 Envie na área de atividades do Moodle</a:t>
-            </a:r>
-            <a:endParaRPr lang="en-US" sz="1300" dirty="0"/>
+              <a:t>Conceitos Principais:</a:t>
+            </a:r>
+            <a:endParaRPr lang="en-US" sz="1200" dirty="0"/>
           </a:p>
         </p:txBody>
       </p:sp>
       <p:pic>
         <p:nvPicPr>
-          <p:cNvPr id="11" name="Image 0" descr="preencoded.png">    </p:cNvPr>
+          <p:cNvPr id="7" name="Image 1" descr="preencoded.png">    </p:cNvPr>
           <p:cNvPicPr>
             <a:picLocks noChangeAspect="1"/>
           </p:cNvPicPr>
           <p:nvPr/>
         </p:nvPicPr>
         <p:blipFill>
-          <a:blip r:embed="rId1"/>
+          <a:blip r:embed="rId2"/>
           <a:stretch>
             <a:fillRect/>
           </a:stretch>
@@ -6159,7 +5502,7 @@
                 <a:ea typeface="Arial" pitchFamily="34" charset="-122"/>
                 <a:cs typeface="Arial" pitchFamily="34" charset="-120"/>
               </a:rPr>
-              <a:t>Aula 05 - Encerramento</a:t>
+              <a:t>📝 Atividade Prática</a:t>
             </a:r>
             <a:endParaRPr lang="en-US" sz="2000" dirty="0"/>
           </a:p>
@@ -6173,68 +5516,8 @@
         </p:nvSpPr>
         <p:spPr>
           <a:xfrm>
-            <a:off x="0" y="822960"/>
-            <a:ext cx="2743200" cy="91440"/>
-          </a:xfrm>
-          <a:prstGeom prst="rect">
-            <a:avLst/>
-          </a:prstGeom>
-          <a:solidFill>
-            <a:srgbClr val="667EEA"/>
-          </a:solidFill>
-          <a:ln/>
-        </p:spPr>
-      </p:sp>
-      <p:sp>
-        <p:nvSpPr>
-          <p:cNvPr id="5" name="Shape 3"/>
-          <p:cNvSpPr/>
-          <p:nvPr/>
-        </p:nvSpPr>
-        <p:spPr>
-          <a:xfrm>
-            <a:off x="3200400" y="822960"/>
-            <a:ext cx="2743200" cy="91440"/>
-          </a:xfrm>
-          <a:prstGeom prst="rect">
-            <a:avLst/>
-          </a:prstGeom>
-          <a:solidFill>
-            <a:srgbClr val="22C55E"/>
-          </a:solidFill>
-          <a:ln/>
-        </p:spPr>
-      </p:sp>
-      <p:sp>
-        <p:nvSpPr>
-          <p:cNvPr id="6" name="Shape 4"/>
-          <p:cNvSpPr/>
-          <p:nvPr/>
-        </p:nvSpPr>
-        <p:spPr>
-          <a:xfrm>
-            <a:off x="6400800" y="822960"/>
-            <a:ext cx="2743200" cy="91440"/>
-          </a:xfrm>
-          <a:prstGeom prst="rect">
-            <a:avLst/>
-          </a:prstGeom>
-          <a:solidFill>
-            <a:srgbClr val="3B82F6"/>
-          </a:solidFill>
-          <a:ln/>
-        </p:spPr>
-      </p:sp>
-      <p:sp>
-        <p:nvSpPr>
-          <p:cNvPr id="7" name="Shape 5"/>
-          <p:cNvSpPr/>
-          <p:nvPr/>
-        </p:nvSpPr>
-        <p:spPr>
-          <a:xfrm>
-            <a:off x="914400" y="1371600"/>
-            <a:ext cx="7315200" cy="1828800"/>
+            <a:off x="457200" y="1005840"/>
+            <a:ext cx="8229600" cy="2560320"/>
           </a:xfrm>
           <a:prstGeom prst="roundRect">
             <a:avLst/>
@@ -6242,9 +5525,9 @@
           <a:solidFill>
             <a:srgbClr val="2A2A4A"/>
           </a:solidFill>
-          <a:ln w="25400">
+          <a:ln w="38100">
             <a:solidFill>
-              <a:srgbClr val="667EEA"/>
+              <a:srgbClr val="22C55E"/>
             </a:solidFill>
             <a:prstDash val="solid"/>
           </a:ln>
@@ -6252,53 +5535,34 @@
       </p:sp>
       <p:sp>
         <p:nvSpPr>
-          <p:cNvPr id="8" name="Text 6"/>
-          <p:cNvSpPr/>
-          <p:nvPr/>
-        </p:nvSpPr>
-        <p:spPr>
-          <a:xfrm>
-            <a:off x="1097280" y="1371600"/>
-            <a:ext cx="457200" cy="731520"/>
-          </a:xfrm>
-          <a:prstGeom prst="rect">
-            <a:avLst/>
-          </a:prstGeom>
-          <a:noFill/>
-          <a:ln/>
-        </p:spPr>
-        <p:txBody>
-          <a:bodyPr wrap="square" rtlCol="0" anchor="ctr"/>
-          <a:lstStyle/>
-          <a:p>
-            <a:pPr indent="0" marL="0">
-              <a:buNone/>
-            </a:pPr>
-            <a:r>
-              <a:rPr lang="en-US" sz="4800" i="1" dirty="0">
-                <a:solidFill>
-                  <a:srgbClr val="667EEA"/>
-                </a:solidFill>
-                <a:latin typeface="Georgia" pitchFamily="34" charset="0"/>
-                <a:ea typeface="Georgia" pitchFamily="34" charset="-122"/>
-                <a:cs typeface="Georgia" pitchFamily="34" charset="-120"/>
-              </a:rPr>
-              <a:t>"</a:t>
-            </a:r>
-            <a:endParaRPr lang="en-US" sz="4800" dirty="0"/>
-          </a:p>
-        </p:txBody>
-      </p:sp>
-      <p:sp>
-        <p:nvSpPr>
-          <p:cNvPr id="9" name="Text 7"/>
-          <p:cNvSpPr/>
-          <p:nvPr/>
-        </p:nvSpPr>
-        <p:spPr>
-          <a:xfrm>
-            <a:off x="1371600" y="1737360"/>
-            <a:ext cx="6400800" cy="1097280"/>
+          <p:cNvPr id="5" name="Shape 3"/>
+          <p:cNvSpPr/>
+          <p:nvPr/>
+        </p:nvSpPr>
+        <p:spPr>
+          <a:xfrm>
+            <a:off x="731520" y="1280160"/>
+            <a:ext cx="731520" cy="731520"/>
+          </a:xfrm>
+          <a:prstGeom prst="ellipse">
+            <a:avLst/>
+          </a:prstGeom>
+          <a:solidFill>
+            <a:srgbClr val="22C55E"/>
+          </a:solidFill>
+          <a:ln/>
+        </p:spPr>
+      </p:sp>
+      <p:sp>
+        <p:nvSpPr>
+          <p:cNvPr id="6" name="Text 4"/>
+          <p:cNvSpPr/>
+          <p:nvPr/>
+        </p:nvSpPr>
+        <p:spPr>
+          <a:xfrm>
+            <a:off x="731520" y="1371600"/>
+            <a:ext cx="731520" cy="548640"/>
           </a:xfrm>
           <a:prstGeom prst="rect">
             <a:avLst/>
@@ -6314,7 +5578,7 @@
               <a:buNone/>
             </a:pPr>
             <a:r>
-              <a:rPr lang="en-US" sz="1600" i="1" dirty="0">
+              <a:rPr lang="en-US" sz="2800" b="1" dirty="0">
                 <a:solidFill>
                   <a:srgbClr val="FFFFFF"/>
                 </a:solidFill>
@@ -6322,42 +5586,22 @@
                 <a:ea typeface="Arial" pitchFamily="34" charset="-122"/>
                 <a:cs typeface="Arial" pitchFamily="34" charset="-120"/>
               </a:rPr>
-              <a:t>Você não precisa de mais força de vontade. Você precisa de melhores sistemas. Agora você tem o seu.</a:t>
-            </a:r>
-            <a:endParaRPr lang="en-US" sz="1600" dirty="0"/>
-          </a:p>
-        </p:txBody>
-      </p:sp>
-      <p:sp>
-        <p:nvSpPr>
-          <p:cNvPr id="10" name="Shape 8"/>
-          <p:cNvSpPr/>
-          <p:nvPr/>
-        </p:nvSpPr>
-        <p:spPr>
-          <a:xfrm>
-            <a:off x="0" y="3840480"/>
-            <a:ext cx="9144000" cy="822960"/>
-          </a:xfrm>
-          <a:prstGeom prst="rect">
-            <a:avLst/>
-          </a:prstGeom>
-          <a:solidFill>
-            <a:srgbClr val="0F172A"/>
-          </a:solidFill>
-          <a:ln/>
-        </p:spPr>
-      </p:sp>
-      <p:sp>
-        <p:nvSpPr>
-          <p:cNvPr id="11" name="Text 9"/>
-          <p:cNvSpPr/>
-          <p:nvPr/>
-        </p:nvSpPr>
-        <p:spPr>
-          <a:xfrm>
-            <a:off x="457200" y="3977640"/>
-            <a:ext cx="3657600" cy="274320"/>
+              <a:t>!</a:t>
+            </a:r>
+            <a:endParaRPr lang="en-US" sz="2800" dirty="0"/>
+          </a:p>
+        </p:txBody>
+      </p:sp>
+      <p:sp>
+        <p:nvSpPr>
+          <p:cNvPr id="7" name="Text 5"/>
+          <p:cNvSpPr/>
+          <p:nvPr/>
+        </p:nvSpPr>
+        <p:spPr>
+          <a:xfrm>
+            <a:off x="1645920" y="1280160"/>
+            <a:ext cx="6858000" cy="457200"/>
           </a:xfrm>
           <a:prstGeom prst="rect">
             <a:avLst/>
@@ -6373,7 +5617,7 @@
               <a:buNone/>
             </a:pPr>
             <a:r>
-              <a:rPr lang="en-US" sz="1400" b="1" dirty="0">
+              <a:rPr lang="en-US" sz="1600" b="1" dirty="0">
                 <a:solidFill>
                   <a:srgbClr val="22C55E"/>
                 </a:solidFill>
@@ -6381,22 +5625,22 @@
                 <a:ea typeface="Arial" pitchFamily="34" charset="-122"/>
                 <a:cs typeface="Arial" pitchFamily="34" charset="-120"/>
               </a:rPr>
-              <a:t>Educa com Talento</a:t>
-            </a:r>
-            <a:endParaRPr lang="en-US" sz="1400" dirty="0"/>
-          </a:p>
-        </p:txBody>
-      </p:sp>
-      <p:sp>
-        <p:nvSpPr>
-          <p:cNvPr id="12" name="Text 10"/>
-          <p:cNvSpPr/>
-          <p:nvPr/>
-        </p:nvSpPr>
-        <p:spPr>
-          <a:xfrm>
-            <a:off x="457200" y="4251960"/>
-            <a:ext cx="3657600" cy="228600"/>
+              <a:t>Sua Missão:</a:t>
+            </a:r>
+            <a:endParaRPr lang="en-US" sz="1600" dirty="0"/>
+          </a:p>
+        </p:txBody>
+      </p:sp>
+      <p:sp>
+        <p:nvSpPr>
+          <p:cNvPr id="8" name="Text 6"/>
+          <p:cNvSpPr/>
+          <p:nvPr/>
+        </p:nvSpPr>
+        <p:spPr>
+          <a:xfrm>
+            <a:off x="1645920" y="1737360"/>
+            <a:ext cx="6766560" cy="1645920"/>
           </a:xfrm>
           <a:prstGeom prst="rect">
             <a:avLst/>
@@ -6405,30 +5649,94 @@
           <a:ln/>
         </p:spPr>
         <p:txBody>
-          <a:bodyPr wrap="square" rtlCol="0" anchor="ctr"/>
+          <a:bodyPr wrap="square" rtlCol="0" anchor="t"/>
           <a:lstStyle/>
           <a:p>
             <a:pPr indent="0" marL="0">
               <a:buNone/>
             </a:pPr>
             <a:r>
-              <a:rPr lang="en-US" sz="1000" dirty="0">
+              <a:rPr lang="en-US" sz="1400" dirty="0">
                 <a:solidFill>
-                  <a:srgbClr val="667EEA"/>
+                  <a:srgbClr val="FFFFFF"/>
                 </a:solidFill>
                 <a:latin typeface="Arial" pitchFamily="34" charset="0"/>
                 <a:ea typeface="Arial" pitchFamily="34" charset="-122"/>
                 <a:cs typeface="Arial" pitchFamily="34" charset="-120"/>
               </a:rPr>
-              <a:t>www.educacomtalento.com.br</a:t>
-            </a:r>
-            <a:endParaRPr lang="en-US" sz="1000" dirty="0"/>
+              <a:t>&gt; **Esta é a atividade mais importante do bloco - seu sistema pessoal!**</a:t>
+            </a:r>
+            <a:endParaRPr lang="en-US" sz="1400" dirty="0"/>
+          </a:p>
+        </p:txBody>
+      </p:sp>
+      <p:sp>
+        <p:nvSpPr>
+          <p:cNvPr id="9" name="Shape 7"/>
+          <p:cNvSpPr/>
+          <p:nvPr/>
+        </p:nvSpPr>
+        <p:spPr>
+          <a:xfrm>
+            <a:off x="457200" y="3749040"/>
+            <a:ext cx="8229600" cy="640080"/>
+          </a:xfrm>
+          <a:prstGeom prst="roundRect">
+            <a:avLst/>
+          </a:prstGeom>
+          <a:solidFill>
+            <a:srgbClr val="1E3A5F"/>
+          </a:solidFill>
+          <a:ln w="12700">
+            <a:solidFill>
+              <a:srgbClr val="667EEA"/>
+            </a:solidFill>
+            <a:prstDash val="solid"/>
+          </a:ln>
+        </p:spPr>
+      </p:sp>
+      <p:sp>
+        <p:nvSpPr>
+          <p:cNvPr id="10" name="Text 8"/>
+          <p:cNvSpPr/>
+          <p:nvPr/>
+        </p:nvSpPr>
+        <p:spPr>
+          <a:xfrm>
+            <a:off x="457200" y="3886200"/>
+            <a:ext cx="8229600" cy="365760"/>
+          </a:xfrm>
+          <a:prstGeom prst="rect">
+            <a:avLst/>
+          </a:prstGeom>
+          <a:noFill/>
+          <a:ln/>
+        </p:spPr>
+        <p:txBody>
+          <a:bodyPr wrap="square" rtlCol="0" anchor="ctr"/>
+          <a:lstStyle/>
+          <a:p>
+            <a:pPr algn="ctr" indent="0" marL="0">
+              <a:buNone/>
+            </a:pPr>
+            <a:r>
+              <a:rPr lang="en-US" sz="1300" dirty="0">
+                <a:solidFill>
+                  <a:srgbClr val="FFFFFF"/>
+                </a:solidFill>
+                <a:latin typeface="Arial" pitchFamily="34" charset="0"/>
+                <a:ea typeface="Arial" pitchFamily="34" charset="-122"/>
+                <a:cs typeface="Arial" pitchFamily="34" charset="-120"/>
+              </a:rPr>
+              <a:t>📤 Envie na área de atividades do Moodle</a:t>
+            </a:r>
+            <a:endParaRPr lang="en-US" sz="1300" dirty="0"/>
           </a:p>
         </p:txBody>
       </p:sp>
       <p:pic>
         <p:nvPicPr>
-          <p:cNvPr id="13" name="Image 0" descr="preencoded.png">    </p:cNvPr>
+          <p:cNvPr id="12" name="Image 0" descr="preencoded.png">    </p:cNvPr>
           <p:cNvPicPr>
             <a:picLocks noChangeAspect="1"/>
           </p:cNvPicPr>
@@ -6442,8 +5750,8 @@
         </p:blipFill>
         <p:spPr>
           <a:xfrm>
-            <a:off x="6400800" y="3886200"/>
-            <a:ext cx="2286000" cy="914400"/>
+            <a:off x="7498080" y="4389120"/>
+            <a:ext cx="1371600" cy="548640"/>
           </a:xfrm>
           <a:prstGeom prst="rect">
             <a:avLst/>
